--- a/assets/08-vorlesung/08-Vorlesung.pptx
+++ b/assets/08-vorlesung/08-Vorlesung.pptx
@@ -5,27 +5,28 @@
     <p:sldMasterId id="2147483673" r:id="rId1"/>
   </p:sldMasterIdLst>
   <p:notesMasterIdLst>
-    <p:notesMasterId r:id="rId20"/>
+    <p:notesMasterId r:id="rId21"/>
   </p:notesMasterIdLst>
   <p:sldIdLst>
     <p:sldId id="256" r:id="rId2"/>
     <p:sldId id="293" r:id="rId3"/>
     <p:sldId id="1840" r:id="rId4"/>
     <p:sldId id="1841" r:id="rId5"/>
-    <p:sldId id="1842" r:id="rId6"/>
-    <p:sldId id="286" r:id="rId7"/>
-    <p:sldId id="291" r:id="rId8"/>
-    <p:sldId id="270" r:id="rId9"/>
-    <p:sldId id="280" r:id="rId10"/>
-    <p:sldId id="281" r:id="rId11"/>
-    <p:sldId id="1843" r:id="rId12"/>
-    <p:sldId id="263" r:id="rId13"/>
-    <p:sldId id="266" r:id="rId14"/>
-    <p:sldId id="267" r:id="rId15"/>
-    <p:sldId id="268" r:id="rId16"/>
-    <p:sldId id="258" r:id="rId17"/>
-    <p:sldId id="531" r:id="rId18"/>
-    <p:sldId id="535" r:id="rId19"/>
+    <p:sldId id="286" r:id="rId6"/>
+    <p:sldId id="291" r:id="rId7"/>
+    <p:sldId id="270" r:id="rId8"/>
+    <p:sldId id="280" r:id="rId9"/>
+    <p:sldId id="281" r:id="rId10"/>
+    <p:sldId id="1843" r:id="rId11"/>
+    <p:sldId id="263" r:id="rId12"/>
+    <p:sldId id="266" r:id="rId13"/>
+    <p:sldId id="267" r:id="rId14"/>
+    <p:sldId id="268" r:id="rId15"/>
+    <p:sldId id="258" r:id="rId16"/>
+    <p:sldId id="531" r:id="rId17"/>
+    <p:sldId id="1844" r:id="rId18"/>
+    <p:sldId id="1845" r:id="rId19"/>
+    <p:sldId id="535" r:id="rId20"/>
   </p:sldIdLst>
   <p:sldSz cx="9144000" cy="6858000" type="screen4x3"/>
   <p:notesSz cx="6858000" cy="9144000"/>
@@ -163,7 +164,6 @@
             <p14:sldId id="293"/>
             <p14:sldId id="1840"/>
             <p14:sldId id="1841"/>
-            <p14:sldId id="1842"/>
             <p14:sldId id="286"/>
             <p14:sldId id="291"/>
             <p14:sldId id="270"/>
@@ -176,6 +176,8 @@
             <p14:sldId id="268"/>
             <p14:sldId id="258"/>
             <p14:sldId id="531"/>
+            <p14:sldId id="1844"/>
+            <p14:sldId id="1845"/>
             <p14:sldId id="535"/>
           </p14:sldIdLst>
         </p14:section>
@@ -1207,7 +1209,7 @@
           <a:p>
             <a:fld id="{BC60BE34-BC89-4C98-A56B-79B7A098D024}" type="slidenum">
               <a:rPr lang="en-US" smtClean="0"/>
-              <a:t>6</a:t>
+              <a:t>5</a:t>
             </a:fld>
             <a:endParaRPr lang="en-US"/>
           </a:p>
@@ -1337,7 +1339,7 @@
                 </a:solidFill>
               </a:rPr>
               <a:pPr/>
-              <a:t>5/22/2019 5:38 PM</a:t>
+              <a:t>5/22/2019 7:20 PM</a:t>
             </a:fld>
             <a:endParaRPr lang="en-US">
               <a:solidFill>
@@ -1432,7 +1434,7 @@
                 </a:solidFill>
               </a:rPr>
               <a:pPr/>
-              <a:t>15</a:t>
+              <a:t>14</a:t>
             </a:fld>
             <a:endParaRPr lang="en-US" dirty="0">
               <a:solidFill>
@@ -1548,7 +1550,7 @@
                 <a:tabLst/>
                 <a:defRPr/>
               </a:pPr>
-              <a:t>17</a:t>
+              <a:t>16</a:t>
             </a:fld>
             <a:endParaRPr kumimoji="0" lang="en-US" sz="1200" b="0" i="0" u="none" strike="noStrike" kern="1200" cap="none" spc="0" normalizeH="0" baseline="0" noProof="0">
               <a:ln>
@@ -1564,6 +1566,31 @@
               <a:ea typeface="+mn-ea"/>
               <a:cs typeface="+mn-cs"/>
             </a:endParaRPr>
+          </a:p>
+        </p:txBody>
+      </p:sp>
+      <p:sp>
+        <p:nvSpPr>
+          <p:cNvPr id="3" name="Notes Placeholder 2">
+            <a:extLst>
+              <a:ext uri="{FF2B5EF4-FFF2-40B4-BE49-F238E27FC236}">
+                <a16:creationId xmlns:a16="http://schemas.microsoft.com/office/drawing/2014/main" id="{91EA1264-F30B-43FB-AF7E-E875002F1631}"/>
+              </a:ext>
+            </a:extLst>
+          </p:cNvPr>
+          <p:cNvSpPr>
+            <a:spLocks noGrp="1"/>
+          </p:cNvSpPr>
+          <p:nvPr>
+            <p:ph type="body" idx="1"/>
+          </p:nvPr>
+        </p:nvSpPr>
+        <p:spPr/>
+        <p:txBody>
+          <a:bodyPr/>
+          <a:lstStyle/>
+          <a:p>
+            <a:endParaRPr lang="de-DE" dirty="0"/>
           </a:p>
         </p:txBody>
       </p:sp>
@@ -1692,7 +1719,7 @@
                 <a:tabLst/>
                 <a:defRPr/>
               </a:pPr>
-              <a:t>18</a:t>
+              <a:t>19</a:t>
             </a:fld>
             <a:endParaRPr kumimoji="0" lang="en-US" sz="1200" b="0" i="0" u="none" strike="noStrike" kern="1200" cap="none" spc="0" normalizeH="0" baseline="0" noProof="0">
               <a:ln>
@@ -1825,7 +1852,7 @@
           <a:p>
             <a:fld id="{BC60BE34-BC89-4C98-A56B-79B7A098D024}" type="slidenum">
               <a:rPr lang="en-US" smtClean="0"/>
-              <a:t>7</a:t>
+              <a:t>6</a:t>
             </a:fld>
             <a:endParaRPr lang="en-US"/>
           </a:p>
@@ -2000,7 +2027,7 @@
                 </a:solidFill>
               </a:rPr>
               <a:pPr/>
-              <a:t>8</a:t>
+              <a:t>7</a:t>
             </a:fld>
             <a:endParaRPr lang="en-US" dirty="0">
               <a:solidFill>
@@ -2113,7 +2140,7 @@
           <a:p>
             <a:fld id="{BC60BE34-BC89-4C98-A56B-79B7A098D024}" type="slidenum">
               <a:rPr lang="en-US" smtClean="0"/>
-              <a:t>9</a:t>
+              <a:t>8</a:t>
             </a:fld>
             <a:endParaRPr lang="en-US"/>
           </a:p>
@@ -2222,7 +2249,7 @@
           <a:p>
             <a:fld id="{BC60BE34-BC89-4C98-A56B-79B7A098D024}" type="slidenum">
               <a:rPr lang="en-US" smtClean="0"/>
-              <a:t>10</a:t>
+              <a:t>9</a:t>
             </a:fld>
             <a:endParaRPr lang="en-US"/>
           </a:p>
@@ -2331,7 +2358,7 @@
           <a:p>
             <a:fld id="{BC60BE34-BC89-4C98-A56B-79B7A098D024}" type="slidenum">
               <a:rPr lang="en-US" smtClean="0"/>
-              <a:t>11</a:t>
+              <a:t>10</a:t>
             </a:fld>
             <a:endParaRPr lang="en-US"/>
           </a:p>
@@ -2461,7 +2488,7 @@
                 </a:solidFill>
               </a:rPr>
               <a:pPr/>
-              <a:t>5/22/2019 5:38 PM</a:t>
+              <a:t>5/22/2019 7:20 PM</a:t>
             </a:fld>
             <a:endParaRPr lang="en-US">
               <a:solidFill>
@@ -2556,7 +2583,7 @@
                 </a:solidFill>
               </a:rPr>
               <a:pPr/>
-              <a:t>12</a:t>
+              <a:t>11</a:t>
             </a:fld>
             <a:endParaRPr lang="en-US" dirty="0">
               <a:solidFill>
@@ -2690,7 +2717,7 @@
                 </a:solidFill>
               </a:rPr>
               <a:pPr/>
-              <a:t>5/22/2019 5:38 PM</a:t>
+              <a:t>5/22/2019 7:20 PM</a:t>
             </a:fld>
             <a:endParaRPr lang="en-US">
               <a:solidFill>
@@ -2785,7 +2812,7 @@
                 </a:solidFill>
               </a:rPr>
               <a:pPr/>
-              <a:t>13</a:t>
+              <a:t>12</a:t>
             </a:fld>
             <a:endParaRPr lang="en-US" dirty="0">
               <a:solidFill>
@@ -2919,7 +2946,7 @@
                 </a:solidFill>
               </a:rPr>
               <a:pPr/>
-              <a:t>5/22/2019 5:38 PM</a:t>
+              <a:t>5/22/2019 7:20 PM</a:t>
             </a:fld>
             <a:endParaRPr lang="en-US">
               <a:solidFill>
@@ -3014,7 +3041,7 @@
                 </a:solidFill>
               </a:rPr>
               <a:pPr/>
-              <a:t>14</a:t>
+              <a:t>13</a:t>
             </a:fld>
             <a:endParaRPr lang="en-US" dirty="0">
               <a:solidFill>
@@ -6369,1024 +6396,6 @@
       </p:grpSpPr>
       <p:sp>
         <p:nvSpPr>
-          <p:cNvPr id="38" name="Rounded Rectangle 37"/>
-          <p:cNvSpPr/>
-          <p:nvPr/>
-        </p:nvSpPr>
-        <p:spPr bwMode="auto">
-          <a:xfrm>
-            <a:off x="1142999" y="2286000"/>
-            <a:ext cx="1748414" cy="2796373"/>
-          </a:xfrm>
-          <a:prstGeom prst="roundRect">
-            <a:avLst>
-              <a:gd name="adj" fmla="val 12442"/>
-            </a:avLst>
-          </a:prstGeom>
-          <a:solidFill>
-            <a:schemeClr val="bg1"/>
-          </a:solidFill>
-          <a:ln w="57150">
-            <a:solidFill>
-              <a:schemeClr val="accent2"/>
-            </a:solidFill>
-            <a:headEnd type="none" w="med" len="med"/>
-            <a:tailEnd type="none" w="med" len="med"/>
-          </a:ln>
-          <a:effectLst/>
-        </p:spPr>
-        <p:style>
-          <a:lnRef idx="1">
-            <a:schemeClr val="accent2"/>
-          </a:lnRef>
-          <a:fillRef idx="3">
-            <a:schemeClr val="accent2"/>
-          </a:fillRef>
-          <a:effectRef idx="2">
-            <a:schemeClr val="accent2"/>
-          </a:effectRef>
-          <a:fontRef idx="minor">
-            <a:schemeClr val="lt1"/>
-          </a:fontRef>
-        </p:style>
-        <p:txBody>
-          <a:bodyPr vert="horz" wrap="square" lIns="68577" tIns="34289" rIns="68577" bIns="34289" numCol="1" rtlCol="0" anchor="t" anchorCtr="0" compatLnSpc="1">
-            <a:prstTxWarp prst="textNoShape">
-              <a:avLst/>
-            </a:prstTxWarp>
-          </a:bodyPr>
-          <a:lstStyle/>
-          <a:p>
-            <a:pPr algn="ctr" defTabSz="685574"/>
-            <a:r>
-              <a:rPr lang="en-US" dirty="0">
-                <a:solidFill>
-                  <a:schemeClr val="accent2"/>
-                </a:solidFill>
-                <a:latin typeface="Segoe UI Light" panose="020B0502040204020203" pitchFamily="34" charset="0"/>
-                <a:cs typeface="Segoe UI Light" panose="020B0502040204020203" pitchFamily="34" charset="0"/>
-              </a:rPr>
-              <a:t>Accounts</a:t>
-            </a:r>
-          </a:p>
-        </p:txBody>
-      </p:sp>
-      <p:sp>
-        <p:nvSpPr>
-          <p:cNvPr id="37" name="Rounded Rectangle 36"/>
-          <p:cNvSpPr/>
-          <p:nvPr/>
-        </p:nvSpPr>
-        <p:spPr bwMode="auto">
-          <a:xfrm>
-            <a:off x="3619078" y="2286000"/>
-            <a:ext cx="1748414" cy="2796373"/>
-          </a:xfrm>
-          <a:prstGeom prst="roundRect">
-            <a:avLst>
-              <a:gd name="adj" fmla="val 12442"/>
-            </a:avLst>
-          </a:prstGeom>
-          <a:solidFill>
-            <a:schemeClr val="bg1"/>
-          </a:solidFill>
-          <a:ln w="57150">
-            <a:solidFill>
-              <a:schemeClr val="accent2"/>
-            </a:solidFill>
-            <a:headEnd type="none" w="med" len="med"/>
-            <a:tailEnd type="none" w="med" len="med"/>
-          </a:ln>
-          <a:effectLst/>
-        </p:spPr>
-        <p:style>
-          <a:lnRef idx="1">
-            <a:schemeClr val="accent2"/>
-          </a:lnRef>
-          <a:fillRef idx="3">
-            <a:schemeClr val="accent2"/>
-          </a:fillRef>
-          <a:effectRef idx="2">
-            <a:schemeClr val="accent2"/>
-          </a:effectRef>
-          <a:fontRef idx="minor">
-            <a:schemeClr val="lt1"/>
-          </a:fontRef>
-        </p:style>
-        <p:txBody>
-          <a:bodyPr vert="horz" wrap="square" lIns="68577" tIns="34289" rIns="68577" bIns="34289" numCol="1" rtlCol="0" anchor="t" anchorCtr="0" compatLnSpc="1">
-            <a:prstTxWarp prst="textNoShape">
-              <a:avLst/>
-            </a:prstTxWarp>
-          </a:bodyPr>
-          <a:lstStyle/>
-          <a:p>
-            <a:pPr algn="ctr" defTabSz="685574"/>
-            <a:r>
-              <a:rPr lang="en-US" dirty="0">
-                <a:solidFill>
-                  <a:schemeClr val="accent2"/>
-                </a:solidFill>
-                <a:latin typeface="Segoe UI Light" panose="020B0502040204020203" pitchFamily="34" charset="0"/>
-                <a:cs typeface="Segoe UI Light" panose="020B0502040204020203" pitchFamily="34" charset="0"/>
-              </a:rPr>
-              <a:t>Containers</a:t>
-            </a:r>
-          </a:p>
-        </p:txBody>
-      </p:sp>
-      <p:sp>
-        <p:nvSpPr>
-          <p:cNvPr id="2" name="Title 1"/>
-          <p:cNvSpPr>
-            <a:spLocks noGrp="1"/>
-          </p:cNvSpPr>
-          <p:nvPr>
-            <p:ph type="title"/>
-          </p:nvPr>
-        </p:nvSpPr>
-        <p:spPr/>
-        <p:txBody>
-          <a:bodyPr/>
-          <a:lstStyle/>
-          <a:p>
-            <a:r>
-              <a:rPr lang="en-US" dirty="0"/>
-              <a:t>Blob URLs</a:t>
-            </a:r>
-          </a:p>
-        </p:txBody>
-      </p:sp>
-      <p:sp>
-        <p:nvSpPr>
-          <p:cNvPr id="6" name="Rounded Rectangle 5"/>
-          <p:cNvSpPr/>
-          <p:nvPr/>
-        </p:nvSpPr>
-        <p:spPr bwMode="auto">
-          <a:xfrm>
-            <a:off x="6096000" y="2286000"/>
-            <a:ext cx="1748414" cy="2796373"/>
-          </a:xfrm>
-          <a:prstGeom prst="roundRect">
-            <a:avLst>
-              <a:gd name="adj" fmla="val 12442"/>
-            </a:avLst>
-          </a:prstGeom>
-          <a:solidFill>
-            <a:schemeClr val="bg1"/>
-          </a:solidFill>
-          <a:ln w="57150">
-            <a:solidFill>
-              <a:schemeClr val="accent2"/>
-            </a:solidFill>
-            <a:headEnd type="none" w="med" len="med"/>
-            <a:tailEnd type="none" w="med" len="med"/>
-          </a:ln>
-          <a:effectLst/>
-        </p:spPr>
-        <p:style>
-          <a:lnRef idx="1">
-            <a:schemeClr val="accent2"/>
-          </a:lnRef>
-          <a:fillRef idx="3">
-            <a:schemeClr val="accent2"/>
-          </a:fillRef>
-          <a:effectRef idx="2">
-            <a:schemeClr val="accent2"/>
-          </a:effectRef>
-          <a:fontRef idx="minor">
-            <a:schemeClr val="lt1"/>
-          </a:fontRef>
-        </p:style>
-        <p:txBody>
-          <a:bodyPr vert="horz" wrap="square" lIns="68577" tIns="34289" rIns="68577" bIns="34289" numCol="1" rtlCol="0" anchor="t" anchorCtr="0" compatLnSpc="1">
-            <a:prstTxWarp prst="textNoShape">
-              <a:avLst/>
-            </a:prstTxWarp>
-          </a:bodyPr>
-          <a:lstStyle/>
-          <a:p>
-            <a:pPr algn="ctr" defTabSz="685574"/>
-            <a:r>
-              <a:rPr lang="en-US" dirty="0">
-                <a:solidFill>
-                  <a:schemeClr val="accent2"/>
-                </a:solidFill>
-                <a:latin typeface="Segoe UI Light" panose="020B0502040204020203" pitchFamily="34" charset="0"/>
-                <a:cs typeface="Segoe UI Light" panose="020B0502040204020203" pitchFamily="34" charset="0"/>
-              </a:rPr>
-              <a:t>Blobs</a:t>
-            </a:r>
-          </a:p>
-        </p:txBody>
-      </p:sp>
-      <p:sp>
-        <p:nvSpPr>
-          <p:cNvPr id="7" name="Rounded Rectangle 6"/>
-          <p:cNvSpPr/>
-          <p:nvPr/>
-        </p:nvSpPr>
-        <p:spPr bwMode="auto">
-          <a:xfrm>
-            <a:off x="1322612" y="3597153"/>
-            <a:ext cx="1390650" cy="600075"/>
-          </a:xfrm>
-          <a:prstGeom prst="roundRect">
-            <a:avLst/>
-          </a:prstGeom>
-          <a:solidFill>
-            <a:schemeClr val="accent1"/>
-          </a:solidFill>
-          <a:ln>
-            <a:noFill/>
-            <a:headEnd type="none" w="med" len="med"/>
-            <a:tailEnd type="none" w="med" len="med"/>
-          </a:ln>
-          <a:effectLst/>
-        </p:spPr>
-        <p:style>
-          <a:lnRef idx="1">
-            <a:schemeClr val="accent2"/>
-          </a:lnRef>
-          <a:fillRef idx="3">
-            <a:schemeClr val="accent2"/>
-          </a:fillRef>
-          <a:effectRef idx="2">
-            <a:schemeClr val="accent2"/>
-          </a:effectRef>
-          <a:fontRef idx="minor">
-            <a:schemeClr val="lt1"/>
-          </a:fontRef>
-        </p:style>
-        <p:txBody>
-          <a:bodyPr vert="horz" wrap="square" lIns="68577" tIns="34289" rIns="68577" bIns="34289" numCol="1" rtlCol="0" anchor="ctr" anchorCtr="0" compatLnSpc="1">
-            <a:prstTxWarp prst="textNoShape">
-              <a:avLst/>
-            </a:prstTxWarp>
-          </a:bodyPr>
-          <a:lstStyle/>
-          <a:p>
-            <a:pPr algn="ctr" defTabSz="685574"/>
-            <a:r>
-              <a:rPr lang="en-US" sz="1650" dirty="0">
-                <a:solidFill>
-                  <a:schemeClr val="bg1"/>
-                </a:solidFill>
-                <a:latin typeface="Segoe UI Light" panose="020B0502040204020203" pitchFamily="34" charset="0"/>
-                <a:cs typeface="Segoe UI Light" panose="020B0502040204020203" pitchFamily="34" charset="0"/>
-              </a:rPr>
-              <a:t>a4rlabs</a:t>
-            </a:r>
-          </a:p>
-        </p:txBody>
-      </p:sp>
-      <p:sp>
-        <p:nvSpPr>
-          <p:cNvPr id="8" name="Rounded Rectangle 7"/>
-          <p:cNvSpPr/>
-          <p:nvPr/>
-        </p:nvSpPr>
-        <p:spPr bwMode="auto">
-          <a:xfrm>
-            <a:off x="3799112" y="2892405"/>
-            <a:ext cx="1390650" cy="600075"/>
-          </a:xfrm>
-          <a:prstGeom prst="roundRect">
-            <a:avLst/>
-          </a:prstGeom>
-          <a:solidFill>
-            <a:schemeClr val="accent2"/>
-          </a:solidFill>
-          <a:ln>
-            <a:noFill/>
-            <a:headEnd type="none" w="med" len="med"/>
-            <a:tailEnd type="none" w="med" len="med"/>
-          </a:ln>
-          <a:effectLst/>
-        </p:spPr>
-        <p:style>
-          <a:lnRef idx="1">
-            <a:schemeClr val="accent2"/>
-          </a:lnRef>
-          <a:fillRef idx="3">
-            <a:schemeClr val="accent2"/>
-          </a:fillRef>
-          <a:effectRef idx="2">
-            <a:schemeClr val="accent2"/>
-          </a:effectRef>
-          <a:fontRef idx="minor">
-            <a:schemeClr val="lt1"/>
-          </a:fontRef>
-        </p:style>
-        <p:txBody>
-          <a:bodyPr vert="horz" wrap="square" lIns="68577" tIns="34289" rIns="68577" bIns="34289" numCol="1" rtlCol="0" anchor="ctr" anchorCtr="0" compatLnSpc="1">
-            <a:prstTxWarp prst="textNoShape">
-              <a:avLst/>
-            </a:prstTxWarp>
-          </a:bodyPr>
-          <a:lstStyle/>
-          <a:p>
-            <a:pPr algn="ctr" defTabSz="685574"/>
-            <a:r>
-              <a:rPr lang="en-US" sz="1650" dirty="0">
-                <a:solidFill>
-                  <a:schemeClr val="bg1"/>
-                </a:solidFill>
-                <a:latin typeface="Segoe UI Light" panose="020B0502040204020203" pitchFamily="34" charset="0"/>
-                <a:cs typeface="Segoe UI Light" panose="020B0502040204020203" pitchFamily="34" charset="0"/>
-              </a:rPr>
-              <a:t>images</a:t>
-            </a:r>
-          </a:p>
-        </p:txBody>
-      </p:sp>
-      <p:sp>
-        <p:nvSpPr>
-          <p:cNvPr id="9" name="Rounded Rectangle 8"/>
-          <p:cNvSpPr/>
-          <p:nvPr/>
-        </p:nvSpPr>
-        <p:spPr bwMode="auto">
-          <a:xfrm>
-            <a:off x="3799112" y="4301901"/>
-            <a:ext cx="1390650" cy="600075"/>
-          </a:xfrm>
-          <a:prstGeom prst="roundRect">
-            <a:avLst/>
-          </a:prstGeom>
-          <a:solidFill>
-            <a:srgbClr val="CC99FF"/>
-          </a:solidFill>
-          <a:ln>
-            <a:noFill/>
-            <a:headEnd type="none" w="med" len="med"/>
-            <a:tailEnd type="none" w="med" len="med"/>
-          </a:ln>
-          <a:effectLst/>
-        </p:spPr>
-        <p:style>
-          <a:lnRef idx="1">
-            <a:schemeClr val="accent2"/>
-          </a:lnRef>
-          <a:fillRef idx="3">
-            <a:schemeClr val="accent2"/>
-          </a:fillRef>
-          <a:effectRef idx="2">
-            <a:schemeClr val="accent2"/>
-          </a:effectRef>
-          <a:fontRef idx="minor">
-            <a:schemeClr val="lt1"/>
-          </a:fontRef>
-        </p:style>
-        <p:txBody>
-          <a:bodyPr vert="horz" wrap="square" lIns="68577" tIns="34289" rIns="68577" bIns="34289" numCol="1" rtlCol="0" anchor="ctr" anchorCtr="0" compatLnSpc="1">
-            <a:prstTxWarp prst="textNoShape">
-              <a:avLst/>
-            </a:prstTxWarp>
-          </a:bodyPr>
-          <a:lstStyle/>
-          <a:p>
-            <a:pPr algn="ctr" defTabSz="685574"/>
-            <a:r>
-              <a:rPr lang="en-US" sz="1650" dirty="0">
-                <a:solidFill>
-                  <a:schemeClr val="bg1"/>
-                </a:solidFill>
-                <a:latin typeface="Segoe UI Light" panose="020B0502040204020203" pitchFamily="34" charset="0"/>
-                <a:cs typeface="Segoe UI Light" panose="020B0502040204020203" pitchFamily="34" charset="0"/>
-              </a:rPr>
-              <a:t>documents</a:t>
-            </a:r>
-          </a:p>
-        </p:txBody>
-      </p:sp>
-      <p:sp>
-        <p:nvSpPr>
-          <p:cNvPr id="14" name="Rounded Rectangle 13"/>
-          <p:cNvSpPr/>
-          <p:nvPr/>
-        </p:nvSpPr>
-        <p:spPr bwMode="auto">
-          <a:xfrm>
-            <a:off x="6275612" y="2892405"/>
-            <a:ext cx="1390650" cy="600075"/>
-          </a:xfrm>
-          <a:prstGeom prst="roundRect">
-            <a:avLst/>
-          </a:prstGeom>
-          <a:solidFill>
-            <a:schemeClr val="accent4"/>
-          </a:solidFill>
-          <a:ln>
-            <a:noFill/>
-            <a:headEnd type="none" w="med" len="med"/>
-            <a:tailEnd type="none" w="med" len="med"/>
-          </a:ln>
-          <a:effectLst/>
-        </p:spPr>
-        <p:style>
-          <a:lnRef idx="1">
-            <a:schemeClr val="accent2"/>
-          </a:lnRef>
-          <a:fillRef idx="3">
-            <a:schemeClr val="accent2"/>
-          </a:fillRef>
-          <a:effectRef idx="2">
-            <a:schemeClr val="accent2"/>
-          </a:effectRef>
-          <a:fontRef idx="minor">
-            <a:schemeClr val="lt1"/>
-          </a:fontRef>
-        </p:style>
-        <p:txBody>
-          <a:bodyPr vert="horz" wrap="square" lIns="68577" tIns="34289" rIns="68577" bIns="34289" numCol="1" rtlCol="0" anchor="ctr" anchorCtr="0" compatLnSpc="1">
-            <a:prstTxWarp prst="textNoShape">
-              <a:avLst/>
-            </a:prstTxWarp>
-          </a:bodyPr>
-          <a:lstStyle/>
-          <a:p>
-            <a:pPr algn="ctr" defTabSz="685574"/>
-            <a:r>
-              <a:rPr lang="en-US" sz="1650" dirty="0">
-                <a:solidFill>
-                  <a:schemeClr val="bg1"/>
-                </a:solidFill>
-                <a:latin typeface="Segoe UI Light" panose="020B0502040204020203" pitchFamily="34" charset="0"/>
-                <a:cs typeface="Segoe UI Light" panose="020B0502040204020203" pitchFamily="34" charset="0"/>
-              </a:rPr>
-              <a:t>schema.jpg</a:t>
-            </a:r>
-          </a:p>
-        </p:txBody>
-      </p:sp>
-      <p:sp>
-        <p:nvSpPr>
-          <p:cNvPr id="15" name="Rounded Rectangle 14"/>
-          <p:cNvSpPr/>
-          <p:nvPr/>
-        </p:nvSpPr>
-        <p:spPr bwMode="auto">
-          <a:xfrm>
-            <a:off x="6275612" y="4301901"/>
-            <a:ext cx="1390650" cy="600075"/>
-          </a:xfrm>
-          <a:prstGeom prst="roundRect">
-            <a:avLst/>
-          </a:prstGeom>
-          <a:solidFill>
-            <a:srgbClr val="CC99FF"/>
-          </a:solidFill>
-          <a:ln>
-            <a:noFill/>
-            <a:headEnd type="none" w="med" len="med"/>
-            <a:tailEnd type="none" w="med" len="med"/>
-          </a:ln>
-          <a:effectLst/>
-        </p:spPr>
-        <p:style>
-          <a:lnRef idx="1">
-            <a:schemeClr val="accent2"/>
-          </a:lnRef>
-          <a:fillRef idx="3">
-            <a:schemeClr val="accent2"/>
-          </a:fillRef>
-          <a:effectRef idx="2">
-            <a:schemeClr val="accent2"/>
-          </a:effectRef>
-          <a:fontRef idx="minor">
-            <a:schemeClr val="lt1"/>
-          </a:fontRef>
-        </p:style>
-        <p:txBody>
-          <a:bodyPr vert="horz" wrap="square" lIns="68577" tIns="34289" rIns="68577" bIns="34289" numCol="1" rtlCol="0" anchor="ctr" anchorCtr="0" compatLnSpc="1">
-            <a:prstTxWarp prst="textNoShape">
-              <a:avLst/>
-            </a:prstTxWarp>
-          </a:bodyPr>
-          <a:lstStyle/>
-          <a:p>
-            <a:pPr algn="ctr" defTabSz="685574"/>
-            <a:r>
-              <a:rPr lang="en-US" sz="1650" dirty="0">
-                <a:solidFill>
-                  <a:schemeClr val="bg1"/>
-                </a:solidFill>
-                <a:latin typeface="Segoe UI Light" panose="020B0502040204020203" pitchFamily="34" charset="0"/>
-                <a:cs typeface="Segoe UI Light" panose="020B0502040204020203" pitchFamily="34" charset="0"/>
-              </a:rPr>
-              <a:t>Labs.pdf</a:t>
-            </a:r>
-          </a:p>
-        </p:txBody>
-      </p:sp>
-      <p:sp>
-        <p:nvSpPr>
-          <p:cNvPr id="16" name="Rounded Rectangle 15"/>
-          <p:cNvSpPr/>
-          <p:nvPr/>
-        </p:nvSpPr>
-        <p:spPr bwMode="auto">
-          <a:xfrm>
-            <a:off x="6275612" y="3597153"/>
-            <a:ext cx="1390650" cy="600075"/>
-          </a:xfrm>
-          <a:prstGeom prst="roundRect">
-            <a:avLst/>
-          </a:prstGeom>
-          <a:solidFill>
-            <a:srgbClr val="CC99FF"/>
-          </a:solidFill>
-          <a:ln>
-            <a:noFill/>
-            <a:headEnd type="none" w="med" len="med"/>
-            <a:tailEnd type="none" w="med" len="med"/>
-          </a:ln>
-          <a:effectLst/>
-        </p:spPr>
-        <p:style>
-          <a:lnRef idx="1">
-            <a:schemeClr val="accent2"/>
-          </a:lnRef>
-          <a:fillRef idx="3">
-            <a:schemeClr val="accent2"/>
-          </a:fillRef>
-          <a:effectRef idx="2">
-            <a:schemeClr val="accent2"/>
-          </a:effectRef>
-          <a:fontRef idx="minor">
-            <a:schemeClr val="lt1"/>
-          </a:fontRef>
-        </p:style>
-        <p:txBody>
-          <a:bodyPr vert="horz" wrap="square" lIns="68577" tIns="34289" rIns="68577" bIns="34289" numCol="1" rtlCol="0" anchor="ctr" anchorCtr="0" compatLnSpc="1">
-            <a:prstTxWarp prst="textNoShape">
-              <a:avLst/>
-            </a:prstTxWarp>
-          </a:bodyPr>
-          <a:lstStyle/>
-          <a:p>
-            <a:pPr algn="ctr" defTabSz="685574"/>
-            <a:r>
-              <a:rPr lang="en-US" sz="1650" dirty="0" err="1">
-                <a:solidFill>
-                  <a:schemeClr val="bg1"/>
-                </a:solidFill>
-                <a:latin typeface="Segoe UI Light" panose="020B0502040204020203" pitchFamily="34" charset="0"/>
-                <a:cs typeface="Segoe UI Light" panose="020B0502040204020203" pitchFamily="34" charset="0"/>
-              </a:rPr>
-              <a:t>Png</a:t>
-            </a:r>
-            <a:r>
-              <a:rPr lang="en-US" sz="1650" dirty="0">
-                <a:solidFill>
-                  <a:schemeClr val="bg1"/>
-                </a:solidFill>
-                <a:latin typeface="Segoe UI Light" panose="020B0502040204020203" pitchFamily="34" charset="0"/>
-                <a:cs typeface="Segoe UI Light" panose="020B0502040204020203" pitchFamily="34" charset="0"/>
-              </a:rPr>
-              <a:t>/flow.png</a:t>
-            </a:r>
-          </a:p>
-        </p:txBody>
-      </p:sp>
-      <p:cxnSp>
-        <p:nvCxnSpPr>
-          <p:cNvPr id="18" name="Straight Connector 17"/>
-          <p:cNvCxnSpPr/>
-          <p:nvPr/>
-        </p:nvCxnSpPr>
-        <p:spPr>
-          <a:xfrm>
-            <a:off x="2713262" y="3889654"/>
-            <a:ext cx="542505" cy="0"/>
-          </a:xfrm>
-          <a:prstGeom prst="line">
-            <a:avLst/>
-          </a:prstGeom>
-          <a:ln>
-            <a:solidFill>
-              <a:srgbClr val="CCCCFF"/>
-            </a:solidFill>
-          </a:ln>
-        </p:spPr>
-        <p:style>
-          <a:lnRef idx="3">
-            <a:schemeClr val="accent1"/>
-          </a:lnRef>
-          <a:fillRef idx="0">
-            <a:schemeClr val="accent1"/>
-          </a:fillRef>
-          <a:effectRef idx="2">
-            <a:schemeClr val="accent1"/>
-          </a:effectRef>
-          <a:fontRef idx="minor">
-            <a:schemeClr val="tx1"/>
-          </a:fontRef>
-        </p:style>
-      </p:cxnSp>
-      <p:cxnSp>
-        <p:nvCxnSpPr>
-          <p:cNvPr id="19" name="Straight Connector 18"/>
-          <p:cNvCxnSpPr/>
-          <p:nvPr/>
-        </p:nvCxnSpPr>
-        <p:spPr>
-          <a:xfrm flipV="1">
-            <a:off x="3255768" y="3184070"/>
-            <a:ext cx="543345" cy="8373"/>
-          </a:xfrm>
-          <a:prstGeom prst="line">
-            <a:avLst/>
-          </a:prstGeom>
-          <a:ln>
-            <a:solidFill>
-              <a:srgbClr val="CCCCFF"/>
-            </a:solidFill>
-          </a:ln>
-        </p:spPr>
-        <p:style>
-          <a:lnRef idx="3">
-            <a:schemeClr val="accent1"/>
-          </a:lnRef>
-          <a:fillRef idx="0">
-            <a:schemeClr val="accent1"/>
-          </a:fillRef>
-          <a:effectRef idx="2">
-            <a:schemeClr val="accent1"/>
-          </a:effectRef>
-          <a:fontRef idx="minor">
-            <a:schemeClr val="tx1"/>
-          </a:fontRef>
-        </p:style>
-      </p:cxnSp>
-      <p:cxnSp>
-        <p:nvCxnSpPr>
-          <p:cNvPr id="20" name="Straight Connector 19"/>
-          <p:cNvCxnSpPr/>
-          <p:nvPr/>
-        </p:nvCxnSpPr>
-        <p:spPr>
-          <a:xfrm>
-            <a:off x="3255768" y="4586817"/>
-            <a:ext cx="543346" cy="5650"/>
-          </a:xfrm>
-          <a:prstGeom prst="line">
-            <a:avLst/>
-          </a:prstGeom>
-          <a:ln>
-            <a:solidFill>
-              <a:srgbClr val="CCCCFF"/>
-            </a:solidFill>
-          </a:ln>
-        </p:spPr>
-        <p:style>
-          <a:lnRef idx="3">
-            <a:schemeClr val="accent1"/>
-          </a:lnRef>
-          <a:fillRef idx="0">
-            <a:schemeClr val="accent1"/>
-          </a:fillRef>
-          <a:effectRef idx="2">
-            <a:schemeClr val="accent1"/>
-          </a:effectRef>
-          <a:fontRef idx="minor">
-            <a:schemeClr val="tx1"/>
-          </a:fontRef>
-        </p:style>
-      </p:cxnSp>
-      <p:cxnSp>
-        <p:nvCxnSpPr>
-          <p:cNvPr id="22" name="Straight Connector 21"/>
-          <p:cNvCxnSpPr/>
-          <p:nvPr/>
-        </p:nvCxnSpPr>
-        <p:spPr>
-          <a:xfrm>
-            <a:off x="3255768" y="3192442"/>
-            <a:ext cx="0" cy="1408397"/>
-          </a:xfrm>
-          <a:prstGeom prst="line">
-            <a:avLst/>
-          </a:prstGeom>
-          <a:ln>
-            <a:solidFill>
-              <a:srgbClr val="CCCCFF"/>
-            </a:solidFill>
-          </a:ln>
-        </p:spPr>
-        <p:style>
-          <a:lnRef idx="3">
-            <a:schemeClr val="accent1"/>
-          </a:lnRef>
-          <a:fillRef idx="0">
-            <a:schemeClr val="accent1"/>
-          </a:fillRef>
-          <a:effectRef idx="2">
-            <a:schemeClr val="accent1"/>
-          </a:effectRef>
-          <a:fontRef idx="minor">
-            <a:schemeClr val="tx1"/>
-          </a:fontRef>
-        </p:style>
-      </p:cxnSp>
-      <p:cxnSp>
-        <p:nvCxnSpPr>
-          <p:cNvPr id="23" name="Straight Connector 22"/>
-          <p:cNvCxnSpPr/>
-          <p:nvPr/>
-        </p:nvCxnSpPr>
-        <p:spPr>
-          <a:xfrm flipV="1">
-            <a:off x="5189762" y="3184070"/>
-            <a:ext cx="1085850" cy="8373"/>
-          </a:xfrm>
-          <a:prstGeom prst="line">
-            <a:avLst/>
-          </a:prstGeom>
-          <a:ln>
-            <a:solidFill>
-              <a:srgbClr val="CCCCFF"/>
-            </a:solidFill>
-          </a:ln>
-        </p:spPr>
-        <p:style>
-          <a:lnRef idx="3">
-            <a:schemeClr val="accent1"/>
-          </a:lnRef>
-          <a:fillRef idx="0">
-            <a:schemeClr val="accent1"/>
-          </a:fillRef>
-          <a:effectRef idx="2">
-            <a:schemeClr val="accent1"/>
-          </a:effectRef>
-          <a:fontRef idx="minor">
-            <a:schemeClr val="tx1"/>
-          </a:fontRef>
-        </p:style>
-      </p:cxnSp>
-      <p:cxnSp>
-        <p:nvCxnSpPr>
-          <p:cNvPr id="24" name="Straight Connector 23"/>
-          <p:cNvCxnSpPr/>
-          <p:nvPr/>
-        </p:nvCxnSpPr>
-        <p:spPr>
-          <a:xfrm>
-            <a:off x="5189762" y="4586816"/>
-            <a:ext cx="1085850" cy="0"/>
-          </a:xfrm>
-          <a:prstGeom prst="line">
-            <a:avLst/>
-          </a:prstGeom>
-          <a:ln>
-            <a:solidFill>
-              <a:srgbClr val="CCCCFF"/>
-            </a:solidFill>
-          </a:ln>
-        </p:spPr>
-        <p:style>
-          <a:lnRef idx="3">
-            <a:schemeClr val="accent1"/>
-          </a:lnRef>
-          <a:fillRef idx="0">
-            <a:schemeClr val="accent1"/>
-          </a:fillRef>
-          <a:effectRef idx="2">
-            <a:schemeClr val="accent1"/>
-          </a:effectRef>
-          <a:fontRef idx="minor">
-            <a:schemeClr val="tx1"/>
-          </a:fontRef>
-        </p:style>
-      </p:cxnSp>
-      <p:cxnSp>
-        <p:nvCxnSpPr>
-          <p:cNvPr id="25" name="Straight Connector 24"/>
-          <p:cNvCxnSpPr/>
-          <p:nvPr/>
-        </p:nvCxnSpPr>
-        <p:spPr>
-          <a:xfrm>
-            <a:off x="5732267" y="3192442"/>
-            <a:ext cx="0" cy="689075"/>
-          </a:xfrm>
-          <a:prstGeom prst="line">
-            <a:avLst/>
-          </a:prstGeom>
-          <a:ln>
-            <a:solidFill>
-              <a:srgbClr val="CCCCFF"/>
-            </a:solidFill>
-          </a:ln>
-        </p:spPr>
-        <p:style>
-          <a:lnRef idx="3">
-            <a:schemeClr val="accent1"/>
-          </a:lnRef>
-          <a:fillRef idx="0">
-            <a:schemeClr val="accent1"/>
-          </a:fillRef>
-          <a:effectRef idx="2">
-            <a:schemeClr val="accent1"/>
-          </a:effectRef>
-          <a:fontRef idx="minor">
-            <a:schemeClr val="tx1"/>
-          </a:fontRef>
-        </p:style>
-      </p:cxnSp>
-      <p:cxnSp>
-        <p:nvCxnSpPr>
-          <p:cNvPr id="26" name="Straight Connector 25"/>
-          <p:cNvCxnSpPr/>
-          <p:nvPr/>
-        </p:nvCxnSpPr>
-        <p:spPr>
-          <a:xfrm>
-            <a:off x="5732267" y="3881518"/>
-            <a:ext cx="543346" cy="551"/>
-          </a:xfrm>
-          <a:prstGeom prst="line">
-            <a:avLst/>
-          </a:prstGeom>
-          <a:ln>
-            <a:solidFill>
-              <a:srgbClr val="CCCCFF"/>
-            </a:solidFill>
-          </a:ln>
-        </p:spPr>
-        <p:style>
-          <a:lnRef idx="3">
-            <a:schemeClr val="accent1"/>
-          </a:lnRef>
-          <a:fillRef idx="0">
-            <a:schemeClr val="accent1"/>
-          </a:fillRef>
-          <a:effectRef idx="2">
-            <a:schemeClr val="accent1"/>
-          </a:effectRef>
-          <a:fontRef idx="minor">
-            <a:schemeClr val="tx1"/>
-          </a:fontRef>
-        </p:style>
-      </p:cxnSp>
-      <p:sp>
-        <p:nvSpPr>
-          <p:cNvPr id="3" name="TextBox 2"/>
-          <p:cNvSpPr txBox="1"/>
-          <p:nvPr/>
-        </p:nvSpPr>
-        <p:spPr>
-          <a:xfrm>
-            <a:off x="266344" y="5474259"/>
-            <a:ext cx="8363938" cy="332399"/>
-          </a:xfrm>
-          <a:prstGeom prst="rect">
-            <a:avLst/>
-          </a:prstGeom>
-          <a:noFill/>
-        </p:spPr>
-        <p:txBody>
-          <a:bodyPr wrap="square" lIns="0" tIns="0" rIns="0" bIns="0" rtlCol="0">
-            <a:spAutoFit/>
-          </a:bodyPr>
-          <a:lstStyle/>
-          <a:p>
-            <a:pPr algn="ctr">
-              <a:lnSpc>
-                <a:spcPct val="90000"/>
-              </a:lnSpc>
-              <a:spcBef>
-                <a:spcPct val="20000"/>
-              </a:spcBef>
-              <a:buSzPct val="80000"/>
-            </a:pPr>
-            <a:r>
-              <a:rPr lang="en-US" dirty="0">
-                <a:gradFill>
-                  <a:gsLst>
-                    <a:gs pos="0">
-                      <a:srgbClr val="292929">
-                        <a:lumMod val="90000"/>
-                        <a:lumOff val="10000"/>
-                      </a:srgbClr>
-                    </a:gs>
-                    <a:gs pos="86000">
-                      <a:srgbClr val="292929">
-                        <a:lumMod val="90000"/>
-                        <a:lumOff val="10000"/>
-                      </a:srgbClr>
-                    </a:gs>
-                  </a:gsLst>
-                  <a:lin ang="5400000" scaled="0"/>
-                </a:gradFill>
-              </a:rPr>
-              <a:t>https://</a:t>
-            </a:r>
-            <a:r>
-              <a:rPr lang="en-US" dirty="0">
-                <a:solidFill>
-                  <a:schemeClr val="accent1"/>
-                </a:solidFill>
-              </a:rPr>
-              <a:t>a4rlabs</a:t>
-            </a:r>
-            <a:r>
-              <a:rPr lang="en-US" dirty="0">
-                <a:gradFill>
-                  <a:gsLst>
-                    <a:gs pos="0">
-                      <a:srgbClr val="292929">
-                        <a:lumMod val="90000"/>
-                        <a:lumOff val="10000"/>
-                      </a:srgbClr>
-                    </a:gs>
-                    <a:gs pos="86000">
-                      <a:srgbClr val="292929">
-                        <a:lumMod val="90000"/>
-                        <a:lumOff val="10000"/>
-                      </a:srgbClr>
-                    </a:gs>
-                  </a:gsLst>
-                  <a:lin ang="5400000" scaled="0"/>
-                </a:gradFill>
-              </a:rPr>
-              <a:t>.blob.core.windows.net/</a:t>
-            </a:r>
-            <a:r>
-              <a:rPr lang="en-US" dirty="0">
-                <a:solidFill>
-                  <a:schemeClr val="accent2"/>
-                </a:solidFill>
-              </a:rPr>
-              <a:t>images</a:t>
-            </a:r>
-            <a:r>
-              <a:rPr lang="en-US" dirty="0">
-                <a:gradFill>
-                  <a:gsLst>
-                    <a:gs pos="0">
-                      <a:srgbClr val="292929">
-                        <a:lumMod val="90000"/>
-                        <a:lumOff val="10000"/>
-                      </a:srgbClr>
-                    </a:gs>
-                    <a:gs pos="86000">
-                      <a:srgbClr val="292929">
-                        <a:lumMod val="90000"/>
-                        <a:lumOff val="10000"/>
-                      </a:srgbClr>
-                    </a:gs>
-                  </a:gsLst>
-                  <a:lin ang="5400000" scaled="0"/>
-                </a:gradFill>
-              </a:rPr>
-              <a:t>/</a:t>
-            </a:r>
-            <a:r>
-              <a:rPr lang="en-US" dirty="0">
-                <a:solidFill>
-                  <a:schemeClr val="accent4"/>
-                </a:solidFill>
-              </a:rPr>
-              <a:t>schema.jpg</a:t>
-            </a:r>
-          </a:p>
-        </p:txBody>
-      </p:sp>
-    </p:spTree>
-    <p:extLst>
-      <p:ext uri="{BB962C8B-B14F-4D97-AF65-F5344CB8AC3E}">
-        <p14:creationId xmlns:p14="http://schemas.microsoft.com/office/powerpoint/2010/main" val="1385975748"/>
-      </p:ext>
-    </p:extLst>
-  </p:cSld>
-  <p:clrMapOvr>
-    <a:masterClrMapping/>
-  </p:clrMapOvr>
-</p:sld>
-</file>
-
-<file path=ppt/slides/slide11.xml><?xml version="1.0" encoding="utf-8"?>
-<p:sld xmlns:a="http://schemas.openxmlformats.org/drawingml/2006/main" xmlns:r="http://schemas.openxmlformats.org/officeDocument/2006/relationships" xmlns:p="http://schemas.openxmlformats.org/presentationml/2006/main">
-  <p:cSld>
-    <p:spTree>
-      <p:nvGrpSpPr>
-        <p:cNvPr id="1" name=""/>
-        <p:cNvGrpSpPr/>
-        <p:nvPr/>
-      </p:nvGrpSpPr>
-      <p:grpSpPr>
-        <a:xfrm>
-          <a:off x="0" y="0"/>
-          <a:ext cx="0" cy="0"/>
-          <a:chOff x="0" y="0"/>
-          <a:chExt cx="0" cy="0"/>
-        </a:xfrm>
-      </p:grpSpPr>
-      <p:sp>
-        <p:nvSpPr>
           <p:cNvPr id="3" name="Content Placeholder 2"/>
           <p:cNvSpPr>
             <a:spLocks noGrp="1"/>
@@ -7512,7 +6521,7 @@
 </p:sld>
 </file>
 
-<file path=ppt/slides/slide12.xml><?xml version="1.0" encoding="utf-8"?>
+<file path=ppt/slides/slide11.xml><?xml version="1.0" encoding="utf-8"?>
 <p:sld xmlns:a="http://schemas.openxmlformats.org/drawingml/2006/main" xmlns:r="http://schemas.openxmlformats.org/officeDocument/2006/relationships" xmlns:p="http://schemas.openxmlformats.org/presentationml/2006/main">
   <p:cSld>
     <p:spTree>
@@ -7680,7 +6689,7 @@
 </p:sld>
 </file>
 
-<file path=ppt/slides/slide13.xml><?xml version="1.0" encoding="utf-8"?>
+<file path=ppt/slides/slide12.xml><?xml version="1.0" encoding="utf-8"?>
 <p:sld xmlns:a="http://schemas.openxmlformats.org/drawingml/2006/main" xmlns:r="http://schemas.openxmlformats.org/officeDocument/2006/relationships" xmlns:p="http://schemas.openxmlformats.org/presentationml/2006/main">
   <p:cSld>
     <p:spTree>
@@ -7856,7 +6865,7 @@
 </p:sld>
 </file>
 
-<file path=ppt/slides/slide14.xml><?xml version="1.0" encoding="utf-8"?>
+<file path=ppt/slides/slide13.xml><?xml version="1.0" encoding="utf-8"?>
 <p:sld xmlns:a="http://schemas.openxmlformats.org/drawingml/2006/main" xmlns:r="http://schemas.openxmlformats.org/officeDocument/2006/relationships" xmlns:p="http://schemas.openxmlformats.org/presentationml/2006/main">
   <p:cSld>
     <p:spTree>
@@ -8042,7 +7051,7 @@
 </p:sld>
 </file>
 
-<file path=ppt/slides/slide15.xml><?xml version="1.0" encoding="utf-8"?>
+<file path=ppt/slides/slide14.xml><?xml version="1.0" encoding="utf-8"?>
 <p:sld xmlns:a="http://schemas.openxmlformats.org/drawingml/2006/main" xmlns:r="http://schemas.openxmlformats.org/officeDocument/2006/relationships" xmlns:p="http://schemas.openxmlformats.org/presentationml/2006/main">
   <p:cSld>
     <p:spTree>
@@ -9677,7 +8686,7 @@
 </p:sld>
 </file>
 
-<file path=ppt/slides/slide16.xml><?xml version="1.0" encoding="utf-8"?>
+<file path=ppt/slides/slide15.xml><?xml version="1.0" encoding="utf-8"?>
 <p:sld xmlns:a="http://schemas.openxmlformats.org/drawingml/2006/main" xmlns:r="http://schemas.openxmlformats.org/officeDocument/2006/relationships" xmlns:p="http://schemas.openxmlformats.org/presentationml/2006/main">
   <p:cSld>
     <p:spTree>
@@ -9789,13 +8798,17 @@
             </a:r>
             <a:r>
               <a:rPr lang="en-US" sz="1600" dirty="0"/>
-              <a:t> of an application using Azure Cosmos DB is a hierarchical overlay of the resources rooted under the database account, and can be navigated using hyperlinks. </a:t>
+              <a:t> of an application using Azure Cosmos DB is a hierarchical overlay of the resources rooted under the database account and can be navigated using hyperlinks. </a:t>
             </a:r>
           </a:p>
           <a:p>
             <a:endParaRPr lang="en-US" sz="1600" dirty="0"/>
           </a:p>
           <a:p>
+            <a:pPr marL="285750" indent="-285750">
+              <a:buFont typeface="Arial" panose="020B0604020202020204" pitchFamily="34" charset="0"/>
+              <a:buChar char="•"/>
+            </a:pPr>
             <a:r>
               <a:rPr lang="en-US" sz="1600" dirty="0"/>
               <a:t>Using document-oriented APIs, container and item resources are projected as </a:t>
@@ -9818,6 +8831,10 @@
             </a:r>
           </a:p>
           <a:p>
+            <a:pPr marL="285750" indent="-285750">
+              <a:buFont typeface="Arial" panose="020B0604020202020204" pitchFamily="34" charset="0"/>
+              <a:buChar char="•"/>
+            </a:pPr>
             <a:r>
               <a:rPr lang="en-US" sz="1600" dirty="0"/>
               <a:t>For graph-oriented API access, the underlying container and item resources are projected as </a:t>
@@ -9848,6 +8865,10 @@
             </a:r>
           </a:p>
           <a:p>
+            <a:pPr marL="285750" indent="-285750">
+              <a:buFont typeface="Arial" panose="020B0604020202020204" pitchFamily="34" charset="0"/>
+              <a:buChar char="•"/>
+            </a:pPr>
             <a:r>
               <a:rPr lang="en-US" sz="1600" dirty="0"/>
               <a:t>Using a key-value API, </a:t>
@@ -9885,7 +8906,7 @@
 </p:sld>
 </file>
 
-<file path=ppt/slides/slide17.xml><?xml version="1.0" encoding="utf-8"?>
+<file path=ppt/slides/slide16.xml><?xml version="1.0" encoding="utf-8"?>
 <p:sld xmlns:a="http://schemas.openxmlformats.org/drawingml/2006/main" xmlns:r="http://schemas.openxmlformats.org/officeDocument/2006/relationships" xmlns:p="http://schemas.openxmlformats.org/presentationml/2006/main">
   <p:cSld>
     <p:spTree>
@@ -9924,48 +8945,14 @@
         </p:blipFill>
         <p:spPr>
           <a:xfrm>
-            <a:off x="0" y="2968630"/>
-            <a:ext cx="6477904" cy="3620005"/>
+            <a:off x="0" y="2133600"/>
+            <a:ext cx="7349122" cy="4106862"/>
           </a:xfrm>
           <a:prstGeom prst="rect">
             <a:avLst/>
           </a:prstGeom>
         </p:spPr>
       </p:pic>
-      <p:sp>
-        <p:nvSpPr>
-          <p:cNvPr id="2" name="Text Placeholder 1">
-            <a:extLst>
-              <a:ext uri="{FF2B5EF4-FFF2-40B4-BE49-F238E27FC236}">
-                <a16:creationId xmlns:a16="http://schemas.microsoft.com/office/drawing/2014/main" id="{2089A2EE-5B8C-40B3-8852-4E431CE01E78}"/>
-              </a:ext>
-            </a:extLst>
-          </p:cNvPr>
-          <p:cNvSpPr>
-            <a:spLocks noGrp="1"/>
-          </p:cNvSpPr>
-          <p:nvPr>
-            <p:ph idx="1"/>
-          </p:nvPr>
-        </p:nvSpPr>
-        <p:spPr>
-          <a:xfrm>
-            <a:off x="323850" y="1989138"/>
-            <a:ext cx="8439150" cy="1668462"/>
-          </a:xfrm>
-        </p:spPr>
-        <p:txBody>
-          <a:bodyPr/>
-          <a:lstStyle/>
-          <a:p>
-            <a:pPr algn="ctr"/>
-            <a:r>
-              <a:rPr lang="en-US" i="1" dirty="0"/>
-              <a:t>This module will reference partitioning in the context of all Azure Cosmos DB modules and APIs.</a:t>
-            </a:r>
-          </a:p>
-        </p:txBody>
-      </p:sp>
       <p:sp>
         <p:nvSpPr>
           <p:cNvPr id="3" name="Title 2">
@@ -9996,871 +8983,55 @@
       </p:sp>
       <p:sp>
         <p:nvSpPr>
-          <p:cNvPr id="25" name="TextBox 24">
+          <p:cNvPr id="4" name="Content Placeholder 3">
             <a:extLst>
               <a:ext uri="{FF2B5EF4-FFF2-40B4-BE49-F238E27FC236}">
-                <a16:creationId xmlns:a16="http://schemas.microsoft.com/office/drawing/2014/main" id="{6C7BB40E-2305-49A2-9047-FCBD7DF34D2B}"/>
-              </a:ext>
-            </a:extLst>
-          </p:cNvPr>
-          <p:cNvSpPr txBox="1"/>
-          <p:nvPr/>
-        </p:nvSpPr>
-        <p:spPr>
-          <a:xfrm>
-            <a:off x="7287832" y="2942230"/>
-            <a:ext cx="1400896" cy="276999"/>
-          </a:xfrm>
-          <a:prstGeom prst="rect">
-            <a:avLst/>
-          </a:prstGeom>
-          <a:noFill/>
-        </p:spPr>
-        <p:txBody>
-          <a:bodyPr wrap="none" rtlCol="0">
-            <a:spAutoFit/>
-          </a:bodyPr>
-          <a:lstStyle/>
-          <a:p>
-            <a:pPr defTabSz="685800" eaLnBrk="1" fontAlgn="auto" hangingPunct="1">
-              <a:spcBef>
-                <a:spcPts val="0"/>
-              </a:spcBef>
-              <a:spcAft>
-                <a:spcPts val="0"/>
-              </a:spcAft>
-              <a:defRPr/>
-            </a:pPr>
-            <a:r>
-              <a:rPr lang="en-US" sz="1200">
-                <a:solidFill>
-                  <a:srgbClr val="0078D7"/>
-                </a:solidFill>
-                <a:latin typeface="Segoe UI Semilight"/>
-                <a:ea typeface="+mn-ea"/>
-              </a:rPr>
-              <a:t>********.azure.com</a:t>
-            </a:r>
-          </a:p>
-        </p:txBody>
-      </p:sp>
-      <p:sp>
-        <p:nvSpPr>
-          <p:cNvPr id="26" name="TextBox 25">
-            <a:extLst>
-              <a:ext uri="{FF2B5EF4-FFF2-40B4-BE49-F238E27FC236}">
-                <a16:creationId xmlns:a16="http://schemas.microsoft.com/office/drawing/2014/main" id="{0F3FFCFD-64FF-4CA3-B1C7-1EA8BFA244AD}"/>
-              </a:ext>
-            </a:extLst>
-          </p:cNvPr>
-          <p:cNvSpPr txBox="1"/>
-          <p:nvPr/>
-        </p:nvSpPr>
-        <p:spPr>
-          <a:xfrm>
-            <a:off x="7287832" y="3818473"/>
-            <a:ext cx="1007007" cy="276999"/>
-          </a:xfrm>
-          <a:prstGeom prst="rect">
-            <a:avLst/>
-          </a:prstGeom>
-          <a:noFill/>
-        </p:spPr>
-        <p:txBody>
-          <a:bodyPr wrap="none" rtlCol="0">
-            <a:spAutoFit/>
-          </a:bodyPr>
-          <a:lstStyle/>
-          <a:p>
-            <a:pPr defTabSz="685800" eaLnBrk="1" fontAlgn="auto" hangingPunct="1">
-              <a:spcBef>
-                <a:spcPts val="0"/>
-              </a:spcBef>
-              <a:spcAft>
-                <a:spcPts val="0"/>
-              </a:spcAft>
-              <a:defRPr/>
-            </a:pPr>
-            <a:r>
-              <a:rPr lang="en-US" sz="1200">
-                <a:solidFill>
-                  <a:srgbClr val="0078D7"/>
-                </a:solidFill>
-                <a:latin typeface="Segoe UI Semilight"/>
-                <a:ea typeface="+mn-ea"/>
-              </a:rPr>
-              <a:t>IGeAvVUp …</a:t>
-            </a:r>
-          </a:p>
-        </p:txBody>
-      </p:sp>
-      <p:sp>
-        <p:nvSpPr>
-          <p:cNvPr id="27" name="key">
-            <a:extLst>
-              <a:ext uri="{FF2B5EF4-FFF2-40B4-BE49-F238E27FC236}">
-                <a16:creationId xmlns:a16="http://schemas.microsoft.com/office/drawing/2014/main" id="{D0598B19-E271-4E98-8E28-534BD637F463}"/>
+                <a16:creationId xmlns:a16="http://schemas.microsoft.com/office/drawing/2014/main" id="{92C653BB-79EB-49A6-83F4-74ECDF5C6E15}"/>
               </a:ext>
             </a:extLst>
           </p:cNvPr>
           <p:cNvSpPr>
-            <a:spLocks noChangeAspect="1" noEditPoints="1"/>
+            <a:spLocks noGrp="1"/>
           </p:cNvSpPr>
-          <p:nvPr/>
-        </p:nvSpPr>
-        <p:spPr bwMode="auto">
-          <a:xfrm>
-            <a:off x="6691433" y="3788546"/>
-            <a:ext cx="313356" cy="311748"/>
-          </a:xfrm>
-          <a:custGeom>
-            <a:avLst/>
-            <a:gdLst>
-              <a:gd name="T0" fmla="*/ 175 w 330"/>
-              <a:gd name="T1" fmla="*/ 198 h 328"/>
-              <a:gd name="T2" fmla="*/ 109 w 330"/>
-              <a:gd name="T3" fmla="*/ 220 h 328"/>
-              <a:gd name="T4" fmla="*/ 0 w 330"/>
-              <a:gd name="T5" fmla="*/ 110 h 328"/>
-              <a:gd name="T6" fmla="*/ 109 w 330"/>
-              <a:gd name="T7" fmla="*/ 0 h 328"/>
-              <a:gd name="T8" fmla="*/ 219 w 330"/>
-              <a:gd name="T9" fmla="*/ 110 h 328"/>
-              <a:gd name="T10" fmla="*/ 214 w 330"/>
-              <a:gd name="T11" fmla="*/ 143 h 328"/>
-              <a:gd name="T12" fmla="*/ 330 w 330"/>
-              <a:gd name="T13" fmla="*/ 258 h 328"/>
-              <a:gd name="T14" fmla="*/ 330 w 330"/>
-              <a:gd name="T15" fmla="*/ 328 h 328"/>
-              <a:gd name="T16" fmla="*/ 264 w 330"/>
-              <a:gd name="T17" fmla="*/ 328 h 328"/>
-              <a:gd name="T18" fmla="*/ 264 w 330"/>
-              <a:gd name="T19" fmla="*/ 283 h 328"/>
-              <a:gd name="T20" fmla="*/ 221 w 330"/>
-              <a:gd name="T21" fmla="*/ 283 h 328"/>
-              <a:gd name="T22" fmla="*/ 221 w 330"/>
-              <a:gd name="T23" fmla="*/ 239 h 328"/>
-              <a:gd name="T24" fmla="*/ 175 w 330"/>
-              <a:gd name="T25" fmla="*/ 239 h 328"/>
-              <a:gd name="T26" fmla="*/ 175 w 330"/>
-              <a:gd name="T27" fmla="*/ 198 h 328"/>
-              <a:gd name="T28" fmla="*/ 76 w 330"/>
-              <a:gd name="T29" fmla="*/ 91 h 328"/>
-              <a:gd name="T30" fmla="*/ 91 w 330"/>
-              <a:gd name="T31" fmla="*/ 76 h 328"/>
-              <a:gd name="T32" fmla="*/ 76 w 330"/>
-              <a:gd name="T33" fmla="*/ 60 h 328"/>
-              <a:gd name="T34" fmla="*/ 60 w 330"/>
-              <a:gd name="T35" fmla="*/ 76 h 328"/>
-              <a:gd name="T36" fmla="*/ 76 w 330"/>
-              <a:gd name="T37" fmla="*/ 91 h 328"/>
-            </a:gdLst>
-            <a:ahLst/>
-            <a:cxnLst>
-              <a:cxn ang="0">
-                <a:pos x="T0" y="T1"/>
-              </a:cxn>
-              <a:cxn ang="0">
-                <a:pos x="T2" y="T3"/>
-              </a:cxn>
-              <a:cxn ang="0">
-                <a:pos x="T4" y="T5"/>
-              </a:cxn>
-              <a:cxn ang="0">
-                <a:pos x="T6" y="T7"/>
-              </a:cxn>
-              <a:cxn ang="0">
-                <a:pos x="T8" y="T9"/>
-              </a:cxn>
-              <a:cxn ang="0">
-                <a:pos x="T10" y="T11"/>
-              </a:cxn>
-              <a:cxn ang="0">
-                <a:pos x="T12" y="T13"/>
-              </a:cxn>
-              <a:cxn ang="0">
-                <a:pos x="T14" y="T15"/>
-              </a:cxn>
-              <a:cxn ang="0">
-                <a:pos x="T16" y="T17"/>
-              </a:cxn>
-              <a:cxn ang="0">
-                <a:pos x="T18" y="T19"/>
-              </a:cxn>
-              <a:cxn ang="0">
-                <a:pos x="T20" y="T21"/>
-              </a:cxn>
-              <a:cxn ang="0">
-                <a:pos x="T22" y="T23"/>
-              </a:cxn>
-              <a:cxn ang="0">
-                <a:pos x="T24" y="T25"/>
-              </a:cxn>
-              <a:cxn ang="0">
-                <a:pos x="T26" y="T27"/>
-              </a:cxn>
-              <a:cxn ang="0">
-                <a:pos x="T28" y="T29"/>
-              </a:cxn>
-              <a:cxn ang="0">
-                <a:pos x="T30" y="T31"/>
-              </a:cxn>
-              <a:cxn ang="0">
-                <a:pos x="T32" y="T33"/>
-              </a:cxn>
-              <a:cxn ang="0">
-                <a:pos x="T34" y="T35"/>
-              </a:cxn>
-              <a:cxn ang="0">
-                <a:pos x="T36" y="T37"/>
-              </a:cxn>
-            </a:cxnLst>
-            <a:rect l="0" t="0" r="r" b="b"/>
-            <a:pathLst>
-              <a:path w="330" h="328">
-                <a:moveTo>
-                  <a:pt x="175" y="198"/>
-                </a:moveTo>
-                <a:cubicBezTo>
-                  <a:pt x="157" y="212"/>
-                  <a:pt x="134" y="220"/>
-                  <a:pt x="109" y="220"/>
-                </a:cubicBezTo>
-                <a:cubicBezTo>
-                  <a:pt x="49" y="220"/>
-                  <a:pt x="0" y="171"/>
-                  <a:pt x="0" y="110"/>
-                </a:cubicBezTo>
-                <a:cubicBezTo>
-                  <a:pt x="0" y="49"/>
-                  <a:pt x="49" y="0"/>
-                  <a:pt x="109" y="0"/>
-                </a:cubicBezTo>
-                <a:cubicBezTo>
-                  <a:pt x="170" y="0"/>
-                  <a:pt x="219" y="49"/>
-                  <a:pt x="219" y="110"/>
-                </a:cubicBezTo>
-                <a:cubicBezTo>
-                  <a:pt x="219" y="122"/>
-                  <a:pt x="217" y="133"/>
-                  <a:pt x="214" y="143"/>
-                </a:cubicBezTo>
-                <a:cubicBezTo>
-                  <a:pt x="330" y="258"/>
-                  <a:pt x="330" y="258"/>
-                  <a:pt x="330" y="258"/>
-                </a:cubicBezTo>
-                <a:cubicBezTo>
-                  <a:pt x="330" y="328"/>
-                  <a:pt x="330" y="328"/>
-                  <a:pt x="330" y="328"/>
-                </a:cubicBezTo>
-                <a:cubicBezTo>
-                  <a:pt x="264" y="328"/>
-                  <a:pt x="264" y="328"/>
-                  <a:pt x="264" y="328"/>
-                </a:cubicBezTo>
-                <a:cubicBezTo>
-                  <a:pt x="264" y="283"/>
-                  <a:pt x="264" y="283"/>
-                  <a:pt x="264" y="283"/>
-                </a:cubicBezTo>
-                <a:cubicBezTo>
-                  <a:pt x="221" y="283"/>
-                  <a:pt x="221" y="283"/>
-                  <a:pt x="221" y="283"/>
-                </a:cubicBezTo>
-                <a:cubicBezTo>
-                  <a:pt x="221" y="239"/>
-                  <a:pt x="221" y="239"/>
-                  <a:pt x="221" y="239"/>
-                </a:cubicBezTo>
-                <a:cubicBezTo>
-                  <a:pt x="175" y="239"/>
-                  <a:pt x="175" y="239"/>
-                  <a:pt x="175" y="239"/>
-                </a:cubicBezTo>
-                <a:lnTo>
-                  <a:pt x="175" y="198"/>
-                </a:lnTo>
-                <a:close/>
-                <a:moveTo>
-                  <a:pt x="76" y="91"/>
-                </a:moveTo>
-                <a:cubicBezTo>
-                  <a:pt x="84" y="91"/>
-                  <a:pt x="91" y="84"/>
-                  <a:pt x="91" y="76"/>
-                </a:cubicBezTo>
-                <a:cubicBezTo>
-                  <a:pt x="91" y="67"/>
-                  <a:pt x="84" y="60"/>
-                  <a:pt x="76" y="60"/>
-                </a:cubicBezTo>
-                <a:cubicBezTo>
-                  <a:pt x="67" y="60"/>
-                  <a:pt x="60" y="67"/>
-                  <a:pt x="60" y="76"/>
-                </a:cubicBezTo>
-                <a:cubicBezTo>
-                  <a:pt x="60" y="84"/>
-                  <a:pt x="67" y="91"/>
-                  <a:pt x="76" y="91"/>
-                </a:cubicBezTo>
-                <a:close/>
-              </a:path>
-            </a:pathLst>
-          </a:custGeom>
-          <a:noFill/>
-          <a:ln w="12700" cap="rnd">
-            <a:solidFill>
-              <a:schemeClr val="tx2"/>
-            </a:solidFill>
-            <a:prstDash val="solid"/>
-            <a:miter lim="800000"/>
-            <a:headEnd/>
-            <a:tailEnd/>
-          </a:ln>
-          <a:extLst>
-            <a:ext uri="{909E8E84-426E-40DD-AFC4-6F175D3DCCD1}">
-              <a14:hiddenFill xmlns:a14="http://schemas.microsoft.com/office/drawing/2010/main">
-                <a:solidFill>
-                  <a:srgbClr val="FFFFFF"/>
-                </a:solidFill>
-              </a14:hiddenFill>
-            </a:ext>
-          </a:extLst>
-        </p:spPr>
-        <p:txBody>
-          <a:bodyPr vert="horz" wrap="square" lIns="68580" tIns="34290" rIns="68580" bIns="34290" numCol="1" anchor="t" anchorCtr="0" compatLnSpc="1">
-            <a:prstTxWarp prst="textNoShape">
-              <a:avLst/>
-            </a:prstTxWarp>
-          </a:bodyPr>
-          <a:lstStyle/>
-          <a:p>
-            <a:pPr defTabSz="699557" eaLnBrk="1" fontAlgn="auto" hangingPunct="1">
-              <a:spcBef>
-                <a:spcPts val="0"/>
-              </a:spcBef>
-              <a:spcAft>
-                <a:spcPts val="0"/>
-              </a:spcAft>
-              <a:defRPr/>
-            </a:pPr>
-            <a:endParaRPr lang="en-US" sz="1350">
-              <a:solidFill>
-                <a:srgbClr val="505050"/>
-              </a:solidFill>
-              <a:latin typeface="Segoe UI Semilight"/>
-              <a:ea typeface="+mn-ea"/>
-            </a:endParaRPr>
-          </a:p>
-        </p:txBody>
-      </p:sp>
-      <p:grpSp>
-        <p:nvGrpSpPr>
-          <p:cNvPr id="28" name="Group 27">
-            <a:extLst>
-              <a:ext uri="{FF2B5EF4-FFF2-40B4-BE49-F238E27FC236}">
-                <a16:creationId xmlns:a16="http://schemas.microsoft.com/office/drawing/2014/main" id="{D2B0D5B1-FAEC-49D9-B27D-6B78B47543D9}"/>
-              </a:ext>
-            </a:extLst>
-          </p:cNvPr>
-          <p:cNvGrpSpPr/>
-          <p:nvPr/>
-        </p:nvGrpSpPr>
-        <p:grpSpPr>
-          <a:xfrm>
-            <a:off x="6694810" y="2906599"/>
-            <a:ext cx="325176" cy="325176"/>
-            <a:chOff x="11679011" y="5307417"/>
-            <a:chExt cx="457200" cy="457200"/>
-          </a:xfrm>
-        </p:grpSpPr>
-        <p:sp>
-          <p:nvSpPr>
-            <p:cNvPr id="29" name="Oval 28">
-              <a:extLst>
-                <a:ext uri="{FF2B5EF4-FFF2-40B4-BE49-F238E27FC236}">
-                  <a16:creationId xmlns:a16="http://schemas.microsoft.com/office/drawing/2014/main" id="{26865BDD-F9E7-493D-86DC-185050C91005}"/>
-                </a:ext>
-              </a:extLst>
-            </p:cNvPr>
-            <p:cNvSpPr/>
-            <p:nvPr/>
-          </p:nvSpPr>
-          <p:spPr bwMode="auto">
-            <a:xfrm>
-              <a:off x="11679011" y="5307417"/>
-              <a:ext cx="457200" cy="457200"/>
-            </a:xfrm>
-            <a:prstGeom prst="ellipse">
-              <a:avLst/>
-            </a:prstGeom>
-            <a:noFill/>
-            <a:ln w="12700">
-              <a:solidFill>
-                <a:schemeClr val="tx2"/>
-              </a:solidFill>
-              <a:headEnd type="none" w="med" len="med"/>
-              <a:tailEnd type="none" w="med" len="med"/>
-            </a:ln>
-            <a:effectLst/>
-          </p:spPr>
-          <p:style>
-            <a:lnRef idx="1">
-              <a:schemeClr val="accent2"/>
-            </a:lnRef>
-            <a:fillRef idx="3">
-              <a:schemeClr val="accent2"/>
-            </a:fillRef>
-            <a:effectRef idx="2">
-              <a:schemeClr val="accent2"/>
-            </a:effectRef>
-            <a:fontRef idx="minor">
-              <a:schemeClr val="lt1"/>
-            </a:fontRef>
-          </p:style>
-          <p:txBody>
-            <a:bodyPr rot="0" spcFirstLastPara="0" vertOverflow="overflow" horzOverflow="overflow" vert="horz" wrap="square" lIns="137160" tIns="109728" rIns="137160" bIns="109728" numCol="1" spcCol="0" rtlCol="0" fromWordArt="0" anchor="t" anchorCtr="0" forceAA="0" compatLnSpc="1">
-              <a:prstTxWarp prst="textNoShape">
-                <a:avLst/>
-              </a:prstTxWarp>
-              <a:noAutofit/>
-            </a:bodyPr>
-            <a:lstStyle/>
-            <a:p>
-              <a:pPr algn="ctr" defTabSz="699354" eaLnBrk="1" hangingPunct="1">
-                <a:lnSpc>
-                  <a:spcPct val="90000"/>
-                </a:lnSpc>
-                <a:defRPr/>
-              </a:pPr>
-              <a:endParaRPr lang="en-US" sz="1800">
-                <a:gradFill>
-                  <a:gsLst>
-                    <a:gs pos="0">
-                      <a:srgbClr val="FFFFFF"/>
-                    </a:gs>
-                    <a:gs pos="100000">
-                      <a:srgbClr val="FFFFFF"/>
-                    </a:gs>
-                  </a:gsLst>
-                  <a:lin ang="5400000" scaled="0"/>
-                </a:gradFill>
-                <a:latin typeface="Segoe UI Semilight"/>
-                <a:ea typeface="Segoe UI" pitchFamily="34" charset="0"/>
-                <a:cs typeface="Segoe UI" pitchFamily="34" charset="0"/>
-              </a:endParaRPr>
-            </a:p>
-          </p:txBody>
-        </p:sp>
-        <p:sp>
-          <p:nvSpPr>
-            <p:cNvPr id="30" name="Oval 29">
-              <a:extLst>
-                <a:ext uri="{FF2B5EF4-FFF2-40B4-BE49-F238E27FC236}">
-                  <a16:creationId xmlns:a16="http://schemas.microsoft.com/office/drawing/2014/main" id="{C6ECB156-13EF-4FE0-81E2-8071CD6D5B76}"/>
-                </a:ext>
-              </a:extLst>
-            </p:cNvPr>
-            <p:cNvSpPr/>
-            <p:nvPr/>
-          </p:nvSpPr>
-          <p:spPr bwMode="auto">
-            <a:xfrm>
-              <a:off x="11794036" y="5307417"/>
-              <a:ext cx="228600" cy="457200"/>
-            </a:xfrm>
-            <a:prstGeom prst="ellipse">
-              <a:avLst/>
-            </a:prstGeom>
-            <a:noFill/>
-            <a:ln w="12700">
-              <a:solidFill>
-                <a:schemeClr val="tx2"/>
-              </a:solidFill>
-              <a:headEnd type="none" w="med" len="med"/>
-              <a:tailEnd type="none" w="med" len="med"/>
-            </a:ln>
-            <a:effectLst/>
-          </p:spPr>
-          <p:style>
-            <a:lnRef idx="1">
-              <a:schemeClr val="accent2"/>
-            </a:lnRef>
-            <a:fillRef idx="3">
-              <a:schemeClr val="accent2"/>
-            </a:fillRef>
-            <a:effectRef idx="2">
-              <a:schemeClr val="accent2"/>
-            </a:effectRef>
-            <a:fontRef idx="minor">
-              <a:schemeClr val="lt1"/>
-            </a:fontRef>
-          </p:style>
-          <p:txBody>
-            <a:bodyPr rot="0" spcFirstLastPara="0" vertOverflow="overflow" horzOverflow="overflow" vert="horz" wrap="square" lIns="137160" tIns="109728" rIns="137160" bIns="109728" numCol="1" spcCol="0" rtlCol="0" fromWordArt="0" anchor="t" anchorCtr="0" forceAA="0" compatLnSpc="1">
-              <a:prstTxWarp prst="textNoShape">
-                <a:avLst/>
-              </a:prstTxWarp>
-              <a:noAutofit/>
-            </a:bodyPr>
-            <a:lstStyle/>
-            <a:p>
-              <a:pPr algn="ctr" defTabSz="699354" eaLnBrk="1" hangingPunct="1">
-                <a:lnSpc>
-                  <a:spcPct val="90000"/>
-                </a:lnSpc>
-                <a:defRPr/>
-              </a:pPr>
-              <a:endParaRPr lang="en-US" sz="1800">
-                <a:gradFill>
-                  <a:gsLst>
-                    <a:gs pos="0">
-                      <a:srgbClr val="FFFFFF"/>
-                    </a:gs>
-                    <a:gs pos="100000">
-                      <a:srgbClr val="FFFFFF"/>
-                    </a:gs>
-                  </a:gsLst>
-                  <a:lin ang="5400000" scaled="0"/>
-                </a:gradFill>
-                <a:latin typeface="Segoe UI Semilight"/>
-                <a:ea typeface="Segoe UI" pitchFamily="34" charset="0"/>
-                <a:cs typeface="Segoe UI" pitchFamily="34" charset="0"/>
-              </a:endParaRPr>
-            </a:p>
-          </p:txBody>
-        </p:sp>
-        <p:cxnSp>
-          <p:nvCxnSpPr>
-            <p:cNvPr id="31" name="Straight Connector 30">
-              <a:extLst>
-                <a:ext uri="{FF2B5EF4-FFF2-40B4-BE49-F238E27FC236}">
-                  <a16:creationId xmlns:a16="http://schemas.microsoft.com/office/drawing/2014/main" id="{F4ED4BB1-CC38-43AC-AB2E-D7979C4786AF}"/>
-                </a:ext>
-              </a:extLst>
-            </p:cNvPr>
-            <p:cNvCxnSpPr/>
-            <p:nvPr/>
-          </p:nvCxnSpPr>
-          <p:spPr>
-            <a:xfrm>
-              <a:off x="11679011" y="5536017"/>
-              <a:ext cx="457200" cy="0"/>
-            </a:xfrm>
-            <a:prstGeom prst="line">
-              <a:avLst/>
-            </a:prstGeom>
-            <a:ln w="12700">
-              <a:solidFill>
-                <a:schemeClr val="tx2"/>
-              </a:solidFill>
-              <a:headEnd type="none"/>
-              <a:tailEnd type="none"/>
-            </a:ln>
-          </p:spPr>
-          <p:style>
-            <a:lnRef idx="1">
-              <a:schemeClr val="accent1"/>
-            </a:lnRef>
-            <a:fillRef idx="0">
-              <a:schemeClr val="accent1"/>
-            </a:fillRef>
-            <a:effectRef idx="0">
-              <a:schemeClr val="accent1"/>
-            </a:effectRef>
-            <a:fontRef idx="minor">
-              <a:schemeClr val="tx1"/>
-            </a:fontRef>
-          </p:style>
-        </p:cxnSp>
-        <p:cxnSp>
-          <p:nvCxnSpPr>
-            <p:cNvPr id="32" name="Straight Connector 31">
-              <a:extLst>
-                <a:ext uri="{FF2B5EF4-FFF2-40B4-BE49-F238E27FC236}">
-                  <a16:creationId xmlns:a16="http://schemas.microsoft.com/office/drawing/2014/main" id="{9C4A1B61-BFE6-480C-957C-97B7340FFF60}"/>
-                </a:ext>
-              </a:extLst>
-            </p:cNvPr>
-            <p:cNvCxnSpPr>
-              <a:cxnSpLocks/>
-            </p:cNvCxnSpPr>
-            <p:nvPr/>
-          </p:nvCxnSpPr>
-          <p:spPr>
-            <a:xfrm>
-              <a:off x="11706226" y="5648676"/>
-              <a:ext cx="402770" cy="0"/>
-            </a:xfrm>
-            <a:prstGeom prst="line">
-              <a:avLst/>
-            </a:prstGeom>
-            <a:ln w="12700">
-              <a:solidFill>
-                <a:schemeClr val="tx2"/>
-              </a:solidFill>
-              <a:headEnd type="none"/>
-              <a:tailEnd type="none"/>
-            </a:ln>
-          </p:spPr>
-          <p:style>
-            <a:lnRef idx="1">
-              <a:schemeClr val="accent1"/>
-            </a:lnRef>
-            <a:fillRef idx="0">
-              <a:schemeClr val="accent1"/>
-            </a:fillRef>
-            <a:effectRef idx="0">
-              <a:schemeClr val="accent1"/>
-            </a:effectRef>
-            <a:fontRef idx="minor">
-              <a:schemeClr val="tx1"/>
-            </a:fontRef>
-          </p:style>
-        </p:cxnSp>
-        <p:cxnSp>
-          <p:nvCxnSpPr>
-            <p:cNvPr id="36" name="Straight Connector 35">
-              <a:extLst>
-                <a:ext uri="{FF2B5EF4-FFF2-40B4-BE49-F238E27FC236}">
-                  <a16:creationId xmlns:a16="http://schemas.microsoft.com/office/drawing/2014/main" id="{EBAF4D8F-CB6B-490F-A1D4-2E64E43584F0}"/>
-                </a:ext>
-              </a:extLst>
-            </p:cNvPr>
-            <p:cNvCxnSpPr>
-              <a:cxnSpLocks/>
-            </p:cNvCxnSpPr>
-            <p:nvPr/>
-          </p:nvCxnSpPr>
-          <p:spPr>
-            <a:xfrm>
-              <a:off x="11706226" y="5422168"/>
-              <a:ext cx="402770" cy="0"/>
-            </a:xfrm>
-            <a:prstGeom prst="line">
-              <a:avLst/>
-            </a:prstGeom>
-            <a:ln w="12700">
-              <a:solidFill>
-                <a:schemeClr val="tx2"/>
-              </a:solidFill>
-              <a:headEnd type="none"/>
-              <a:tailEnd type="none"/>
-            </a:ln>
-          </p:spPr>
-          <p:style>
-            <a:lnRef idx="1">
-              <a:schemeClr val="accent1"/>
-            </a:lnRef>
-            <a:fillRef idx="0">
-              <a:schemeClr val="accent1"/>
-            </a:fillRef>
-            <a:effectRef idx="0">
-              <a:schemeClr val="accent1"/>
-            </a:effectRef>
-            <a:fontRef idx="minor">
-              <a:schemeClr val="tx1"/>
-            </a:fontRef>
-          </p:style>
-        </p:cxnSp>
-        <p:cxnSp>
-          <p:nvCxnSpPr>
-            <p:cNvPr id="37" name="Straight Connector 36">
-              <a:extLst>
-                <a:ext uri="{FF2B5EF4-FFF2-40B4-BE49-F238E27FC236}">
-                  <a16:creationId xmlns:a16="http://schemas.microsoft.com/office/drawing/2014/main" id="{F6D018B9-86C2-4653-A0C9-9A588804A1D1}"/>
-                </a:ext>
-              </a:extLst>
-            </p:cNvPr>
-            <p:cNvCxnSpPr>
-              <a:cxnSpLocks/>
-            </p:cNvCxnSpPr>
-            <p:nvPr/>
-          </p:nvCxnSpPr>
-          <p:spPr>
-            <a:xfrm flipV="1">
-              <a:off x="11908336" y="5307417"/>
-              <a:ext cx="0" cy="457200"/>
-            </a:xfrm>
-            <a:prstGeom prst="line">
-              <a:avLst/>
-            </a:prstGeom>
-            <a:ln w="12700">
-              <a:solidFill>
-                <a:schemeClr val="tx2"/>
-              </a:solidFill>
-              <a:headEnd type="none"/>
-              <a:tailEnd type="none"/>
-            </a:ln>
-          </p:spPr>
-          <p:style>
-            <a:lnRef idx="1">
-              <a:schemeClr val="accent1"/>
-            </a:lnRef>
-            <a:fillRef idx="0">
-              <a:schemeClr val="accent1"/>
-            </a:fillRef>
-            <a:effectRef idx="0">
-              <a:schemeClr val="accent1"/>
-            </a:effectRef>
-            <a:fontRef idx="minor">
-              <a:schemeClr val="tx1"/>
-            </a:fontRef>
-          </p:style>
-        </p:cxnSp>
-      </p:grpSp>
-      <p:cxnSp>
-        <p:nvCxnSpPr>
-          <p:cNvPr id="38" name="Straight Connector 37">
-            <a:extLst>
-              <a:ext uri="{FF2B5EF4-FFF2-40B4-BE49-F238E27FC236}">
-                <a16:creationId xmlns:a16="http://schemas.microsoft.com/office/drawing/2014/main" id="{1C8BEDED-845D-4F40-AB57-918E46A4865C}"/>
-              </a:ext>
-            </a:extLst>
-          </p:cNvPr>
-          <p:cNvCxnSpPr>
-            <a:cxnSpLocks/>
-          </p:cNvCxnSpPr>
-          <p:nvPr/>
-        </p:nvCxnSpPr>
-        <p:spPr>
-          <a:xfrm>
-            <a:off x="3627614" y="3130990"/>
-            <a:ext cx="2850290" cy="0"/>
-          </a:xfrm>
-          <a:prstGeom prst="line">
-            <a:avLst/>
-          </a:prstGeom>
-          <a:ln w="19050">
-            <a:solidFill>
-              <a:schemeClr val="bg1">
-                <a:lumMod val="50000"/>
-              </a:schemeClr>
-            </a:solidFill>
-            <a:miter lim="800000"/>
-            <a:headEnd type="none"/>
-            <a:tailEnd type="none"/>
-          </a:ln>
-        </p:spPr>
-        <p:style>
-          <a:lnRef idx="1">
-            <a:schemeClr val="accent1"/>
-          </a:lnRef>
-          <a:fillRef idx="0">
-            <a:schemeClr val="accent1"/>
-          </a:fillRef>
-          <a:effectRef idx="0">
-            <a:schemeClr val="accent1"/>
-          </a:effectRef>
-          <a:fontRef idx="minor">
-            <a:schemeClr val="tx1"/>
-          </a:fontRef>
-        </p:style>
-      </p:cxnSp>
-      <p:sp>
-        <p:nvSpPr>
-          <p:cNvPr id="40" name="Left Bracket 39">
-            <a:extLst>
-              <a:ext uri="{FF2B5EF4-FFF2-40B4-BE49-F238E27FC236}">
-                <a16:creationId xmlns:a16="http://schemas.microsoft.com/office/drawing/2014/main" id="{BE4B179C-50B1-4321-B128-1FF7F372CB0A}"/>
-              </a:ext>
-            </a:extLst>
-          </p:cNvPr>
-          <p:cNvSpPr/>
-          <p:nvPr/>
+          <p:nvPr>
+            <p:ph idx="1"/>
+          </p:nvPr>
         </p:nvSpPr>
         <p:spPr>
           <a:xfrm>
-            <a:off x="6477904" y="2743200"/>
-            <a:ext cx="80408" cy="1510725"/>
+            <a:off x="6477000" y="2096814"/>
+            <a:ext cx="2743200" cy="4106862"/>
           </a:xfrm>
-          <a:prstGeom prst="leftBracket">
-            <a:avLst>
-              <a:gd name="adj" fmla="val 3385"/>
-            </a:avLst>
-          </a:prstGeom>
-          <a:ln w="19050">
-            <a:solidFill>
-              <a:schemeClr val="bg1">
-                <a:lumMod val="50000"/>
-              </a:schemeClr>
-            </a:solidFill>
-            <a:miter lim="800000"/>
-            <a:headEnd type="none"/>
-            <a:tailEnd type="none"/>
-          </a:ln>
         </p:spPr>
-        <p:style>
-          <a:lnRef idx="1">
-            <a:schemeClr val="accent1"/>
-          </a:lnRef>
-          <a:fillRef idx="0">
-            <a:schemeClr val="accent1"/>
-          </a:fillRef>
-          <a:effectRef idx="0">
-            <a:schemeClr val="accent1"/>
-          </a:effectRef>
-          <a:fontRef idx="minor">
-            <a:schemeClr val="tx1"/>
-          </a:fontRef>
-        </p:style>
         <p:txBody>
-          <a:bodyPr rtlCol="0" anchor="ctr"/>
+          <a:bodyPr/>
           <a:lstStyle/>
           <a:p>
-            <a:pPr algn="ctr" defTabSz="685800" eaLnBrk="1" fontAlgn="auto" hangingPunct="1">
-              <a:spcBef>
-                <a:spcPts val="0"/>
-              </a:spcBef>
-              <a:spcAft>
-                <a:spcPts val="0"/>
-              </a:spcAft>
-              <a:defRPr/>
-            </a:pPr>
-            <a:endParaRPr lang="en-US" sz="1350">
-              <a:solidFill>
-                <a:srgbClr val="505050"/>
-              </a:solidFill>
-              <a:latin typeface="Segoe UI Semilight"/>
-            </a:endParaRPr>
+            <a:r>
+              <a:rPr lang="en-US" sz="1800" dirty="0"/>
+              <a:t>Single system image of globally distributed, URI addressable logical resources</a:t>
+            </a:r>
+          </a:p>
+          <a:p>
+            <a:endParaRPr lang="en-US" sz="1800" dirty="0"/>
+          </a:p>
+          <a:p>
+            <a:r>
+              <a:rPr lang="en-US" sz="1800" dirty="0"/>
+              <a:t>Consistent, hierarchical overlay over horizontally partitioned entities</a:t>
+            </a:r>
+          </a:p>
+          <a:p>
+            <a:endParaRPr lang="en-US" sz="1800" dirty="0"/>
+          </a:p>
+          <a:p>
+            <a:r>
+              <a:rPr lang="en-US" sz="1800" dirty="0"/>
+              <a:t>Extensible custom projections</a:t>
+            </a:r>
           </a:p>
         </p:txBody>
       </p:sp>
-      <p:pic>
-        <p:nvPicPr>
-          <p:cNvPr id="41" name="Picture 40">
-            <a:extLst>
-              <a:ext uri="{FF2B5EF4-FFF2-40B4-BE49-F238E27FC236}">
-                <a16:creationId xmlns:a16="http://schemas.microsoft.com/office/drawing/2014/main" id="{B138ACF5-0B5D-4975-B84D-5351389287D1}"/>
-              </a:ext>
-            </a:extLst>
-          </p:cNvPr>
-          <p:cNvPicPr>
-            <a:picLocks noChangeAspect="1"/>
-          </p:cNvPicPr>
-          <p:nvPr/>
-        </p:nvPicPr>
-        <p:blipFill>
-          <a:blip r:embed="rId4"/>
-          <a:stretch>
-            <a:fillRect/>
-          </a:stretch>
-        </p:blipFill>
-        <p:spPr>
-          <a:xfrm>
-            <a:off x="6477904" y="4384871"/>
-            <a:ext cx="2609067" cy="1921321"/>
-          </a:xfrm>
-          <a:prstGeom prst="rect">
-            <a:avLst/>
-          </a:prstGeom>
-        </p:spPr>
-      </p:pic>
     </p:spTree>
     <p:extLst>
       <p:ext uri="{BB962C8B-B14F-4D97-AF65-F5344CB8AC3E}">
@@ -10874,7 +9045,314 @@
 </p:sld>
 </file>
 
+<file path=ppt/slides/slide17.xml><?xml version="1.0" encoding="utf-8"?>
+<p:sld xmlns:a="http://schemas.openxmlformats.org/drawingml/2006/main" xmlns:r="http://schemas.openxmlformats.org/officeDocument/2006/relationships" xmlns:p="http://schemas.openxmlformats.org/presentationml/2006/main">
+  <p:cSld>
+    <p:spTree>
+      <p:nvGrpSpPr>
+        <p:cNvPr id="1" name=""/>
+        <p:cNvGrpSpPr/>
+        <p:nvPr/>
+      </p:nvGrpSpPr>
+      <p:grpSpPr>
+        <a:xfrm>
+          <a:off x="0" y="0"/>
+          <a:ext cx="0" cy="0"/>
+          <a:chOff x="0" y="0"/>
+          <a:chExt cx="0" cy="0"/>
+        </a:xfrm>
+      </p:grpSpPr>
+      <p:sp>
+        <p:nvSpPr>
+          <p:cNvPr id="2" name="Content Placeholder 1">
+            <a:extLst>
+              <a:ext uri="{FF2B5EF4-FFF2-40B4-BE49-F238E27FC236}">
+                <a16:creationId xmlns:a16="http://schemas.microsoft.com/office/drawing/2014/main" id="{FF6C0423-8A36-4261-ADA2-F4A131FAA543}"/>
+              </a:ext>
+            </a:extLst>
+          </p:cNvPr>
+          <p:cNvSpPr>
+            <a:spLocks noGrp="1"/>
+          </p:cNvSpPr>
+          <p:nvPr>
+            <p:ph idx="1"/>
+          </p:nvPr>
+        </p:nvSpPr>
+        <p:spPr>
+          <a:xfrm>
+            <a:off x="5486400" y="2133600"/>
+            <a:ext cx="3588487" cy="4106862"/>
+          </a:xfrm>
+        </p:spPr>
+        <p:txBody>
+          <a:bodyPr/>
+          <a:lstStyle/>
+          <a:p>
+            <a:r>
+              <a:rPr lang="en-US" sz="1600" dirty="0"/>
+              <a:t>All resource are horizontally partitioned</a:t>
+            </a:r>
+          </a:p>
+          <a:p>
+            <a:endParaRPr lang="en-US" sz="1600" dirty="0"/>
+          </a:p>
+          <a:p>
+            <a:r>
+              <a:rPr lang="en-US" sz="1600" dirty="0"/>
+              <a:t>Resource Partition</a:t>
+            </a:r>
+          </a:p>
+          <a:p>
+            <a:pPr lvl="1"/>
+            <a:r>
+              <a:rPr lang="en-US" sz="1600" dirty="0"/>
+              <a:t>Consistent, highly available and resource governed, coordination primitive</a:t>
+            </a:r>
+          </a:p>
+          <a:p>
+            <a:pPr lvl="1"/>
+            <a:endParaRPr lang="en-US" sz="1600" dirty="0"/>
+          </a:p>
+          <a:p>
+            <a:pPr lvl="1"/>
+            <a:r>
+              <a:rPr lang="en-US" sz="1600" dirty="0"/>
+              <a:t>Uniquely belongs to a tenant</a:t>
+            </a:r>
+          </a:p>
+          <a:p>
+            <a:pPr lvl="1"/>
+            <a:endParaRPr lang="en-US" sz="1600" dirty="0"/>
+          </a:p>
+          <a:p>
+            <a:r>
+              <a:rPr lang="en-US" sz="1600" dirty="0"/>
+              <a:t>Partition management is transparent and made highly responsive</a:t>
+            </a:r>
+          </a:p>
+        </p:txBody>
+      </p:sp>
+      <p:sp>
+        <p:nvSpPr>
+          <p:cNvPr id="3" name="Title 2">
+            <a:extLst>
+              <a:ext uri="{FF2B5EF4-FFF2-40B4-BE49-F238E27FC236}">
+                <a16:creationId xmlns:a16="http://schemas.microsoft.com/office/drawing/2014/main" id="{543B8B5F-C7E4-4311-84D6-5FB50AAB8358}"/>
+              </a:ext>
+            </a:extLst>
+          </p:cNvPr>
+          <p:cNvSpPr>
+            <a:spLocks noGrp="1"/>
+          </p:cNvSpPr>
+          <p:nvPr>
+            <p:ph type="title"/>
+          </p:nvPr>
+        </p:nvSpPr>
+        <p:spPr/>
+        <p:txBody>
+          <a:bodyPr/>
+          <a:lstStyle/>
+          <a:p>
+            <a:r>
+              <a:rPr lang="de-DE" dirty="0"/>
+              <a:t>Horizontal </a:t>
+            </a:r>
+            <a:r>
+              <a:rPr lang="de-DE" dirty="0" err="1"/>
+              <a:t>partitioning</a:t>
+            </a:r>
+            <a:endParaRPr lang="de-DE" dirty="0"/>
+          </a:p>
+        </p:txBody>
+      </p:sp>
+      <p:pic>
+        <p:nvPicPr>
+          <p:cNvPr id="4" name="Picture 3">
+            <a:extLst>
+              <a:ext uri="{FF2B5EF4-FFF2-40B4-BE49-F238E27FC236}">
+                <a16:creationId xmlns:a16="http://schemas.microsoft.com/office/drawing/2014/main" id="{8D984A34-E91D-45FB-850B-3FA24F4E1082}"/>
+              </a:ext>
+            </a:extLst>
+          </p:cNvPr>
+          <p:cNvPicPr>
+            <a:picLocks noChangeAspect="1"/>
+          </p:cNvPicPr>
+          <p:nvPr/>
+        </p:nvPicPr>
+        <p:blipFill>
+          <a:blip r:embed="rId2"/>
+          <a:stretch>
+            <a:fillRect/>
+          </a:stretch>
+        </p:blipFill>
+        <p:spPr>
+          <a:xfrm>
+            <a:off x="152400" y="2285999"/>
+            <a:ext cx="5022113" cy="3230893"/>
+          </a:xfrm>
+          <a:prstGeom prst="rect">
+            <a:avLst/>
+          </a:prstGeom>
+        </p:spPr>
+      </p:pic>
+    </p:spTree>
+    <p:extLst>
+      <p:ext uri="{BB962C8B-B14F-4D97-AF65-F5344CB8AC3E}">
+        <p14:creationId xmlns:p14="http://schemas.microsoft.com/office/powerpoint/2010/main" val="4061685143"/>
+      </p:ext>
+    </p:extLst>
+  </p:cSld>
+  <p:clrMapOvr>
+    <a:masterClrMapping/>
+  </p:clrMapOvr>
+</p:sld>
+</file>
+
 <file path=ppt/slides/slide18.xml><?xml version="1.0" encoding="utf-8"?>
+<p:sld xmlns:a="http://schemas.openxmlformats.org/drawingml/2006/main" xmlns:r="http://schemas.openxmlformats.org/officeDocument/2006/relationships" xmlns:p="http://schemas.openxmlformats.org/presentationml/2006/main">
+  <p:cSld>
+    <p:spTree>
+      <p:nvGrpSpPr>
+        <p:cNvPr id="1" name=""/>
+        <p:cNvGrpSpPr/>
+        <p:nvPr/>
+      </p:nvGrpSpPr>
+      <p:grpSpPr>
+        <a:xfrm>
+          <a:off x="0" y="0"/>
+          <a:ext cx="0" cy="0"/>
+          <a:chOff x="0" y="0"/>
+          <a:chExt cx="0" cy="0"/>
+        </a:xfrm>
+      </p:grpSpPr>
+      <p:sp>
+        <p:nvSpPr>
+          <p:cNvPr id="2" name="Content Placeholder 1">
+            <a:extLst>
+              <a:ext uri="{FF2B5EF4-FFF2-40B4-BE49-F238E27FC236}">
+                <a16:creationId xmlns:a16="http://schemas.microsoft.com/office/drawing/2014/main" id="{38D76097-3920-4B43-BB80-74E7A6EF0F88}"/>
+              </a:ext>
+            </a:extLst>
+          </p:cNvPr>
+          <p:cNvSpPr>
+            <a:spLocks noGrp="1"/>
+          </p:cNvSpPr>
+          <p:nvPr>
+            <p:ph idx="1"/>
+          </p:nvPr>
+        </p:nvSpPr>
+        <p:spPr>
+          <a:xfrm>
+            <a:off x="5105400" y="1989138"/>
+            <a:ext cx="3657600" cy="4106862"/>
+          </a:xfrm>
+        </p:spPr>
+        <p:txBody>
+          <a:bodyPr/>
+          <a:lstStyle/>
+          <a:p>
+            <a:r>
+              <a:rPr lang="en-US" sz="1800" dirty="0"/>
+              <a:t>All resources are horizontally partitioned and vertically distributed</a:t>
+            </a:r>
+          </a:p>
+          <a:p>
+            <a:endParaRPr lang="en-US" sz="1800" dirty="0"/>
+          </a:p>
+          <a:p>
+            <a:r>
+              <a:rPr lang="en-US" sz="1800" dirty="0"/>
+              <a:t>Nested consensus</a:t>
+            </a:r>
+          </a:p>
+          <a:p>
+            <a:endParaRPr lang="en-US" sz="1800" dirty="0"/>
+          </a:p>
+          <a:p>
+            <a:r>
+              <a:rPr lang="en-US" sz="1800" dirty="0"/>
+              <a:t>Distribution can be within a cluster, x-cluster, x-DC, or x-region</a:t>
+            </a:r>
+          </a:p>
+        </p:txBody>
+      </p:sp>
+      <p:sp>
+        <p:nvSpPr>
+          <p:cNvPr id="3" name="Title 2">
+            <a:extLst>
+              <a:ext uri="{FF2B5EF4-FFF2-40B4-BE49-F238E27FC236}">
+                <a16:creationId xmlns:a16="http://schemas.microsoft.com/office/drawing/2014/main" id="{578145CE-7779-472B-82D2-C6C7241C9B5C}"/>
+              </a:ext>
+            </a:extLst>
+          </p:cNvPr>
+          <p:cNvSpPr>
+            <a:spLocks noGrp="1"/>
+          </p:cNvSpPr>
+          <p:nvPr>
+            <p:ph type="title"/>
+          </p:nvPr>
+        </p:nvSpPr>
+        <p:spPr/>
+        <p:txBody>
+          <a:bodyPr/>
+          <a:lstStyle/>
+          <a:p>
+            <a:r>
+              <a:rPr lang="de-DE" dirty="0"/>
+              <a:t>Global </a:t>
+            </a:r>
+            <a:r>
+              <a:rPr lang="de-DE" dirty="0" err="1"/>
+              <a:t>distribution</a:t>
+            </a:r>
+            <a:endParaRPr lang="de-DE" dirty="0"/>
+          </a:p>
+        </p:txBody>
+      </p:sp>
+      <p:pic>
+        <p:nvPicPr>
+          <p:cNvPr id="4" name="Picture 3">
+            <a:extLst>
+              <a:ext uri="{FF2B5EF4-FFF2-40B4-BE49-F238E27FC236}">
+                <a16:creationId xmlns:a16="http://schemas.microsoft.com/office/drawing/2014/main" id="{0337FD16-979C-4BED-9418-1B8154A6371C}"/>
+              </a:ext>
+            </a:extLst>
+          </p:cNvPr>
+          <p:cNvPicPr>
+            <a:picLocks noChangeAspect="1"/>
+          </p:cNvPicPr>
+          <p:nvPr/>
+        </p:nvPicPr>
+        <p:blipFill>
+          <a:blip r:embed="rId2"/>
+          <a:stretch>
+            <a:fillRect/>
+          </a:stretch>
+        </p:blipFill>
+        <p:spPr>
+          <a:xfrm>
+            <a:off x="360636" y="1989138"/>
+            <a:ext cx="4562018" cy="4106863"/>
+          </a:xfrm>
+          <a:prstGeom prst="rect">
+            <a:avLst/>
+          </a:prstGeom>
+        </p:spPr>
+      </p:pic>
+    </p:spTree>
+    <p:extLst>
+      <p:ext uri="{BB962C8B-B14F-4D97-AF65-F5344CB8AC3E}">
+        <p14:creationId xmlns:p14="http://schemas.microsoft.com/office/powerpoint/2010/main" val="1218300919"/>
+      </p:ext>
+    </p:extLst>
+  </p:cSld>
+  <p:clrMapOvr>
+    <a:masterClrMapping/>
+  </p:clrMapOvr>
+</p:sld>
+</file>
+
+<file path=ppt/slides/slide19.xml><?xml version="1.0" encoding="utf-8"?>
 <p:sld xmlns:a="http://schemas.openxmlformats.org/drawingml/2006/main" xmlns:r="http://schemas.openxmlformats.org/officeDocument/2006/relationships" xmlns:p="http://schemas.openxmlformats.org/presentationml/2006/main">
   <p:cSld>
     <p:spTree>
@@ -23412,86 +21890,6 @@
       </p:grpSpPr>
       <p:sp>
         <p:nvSpPr>
-          <p:cNvPr id="2" name="Content Placeholder 1">
-            <a:extLst>
-              <a:ext uri="{FF2B5EF4-FFF2-40B4-BE49-F238E27FC236}">
-                <a16:creationId xmlns:a16="http://schemas.microsoft.com/office/drawing/2014/main" id="{78E673BB-9418-4577-92CC-3895B03CDA44}"/>
-              </a:ext>
-            </a:extLst>
-          </p:cNvPr>
-          <p:cNvSpPr>
-            <a:spLocks noGrp="1"/>
-          </p:cNvSpPr>
-          <p:nvPr>
-            <p:ph idx="1"/>
-          </p:nvPr>
-        </p:nvSpPr>
-        <p:spPr/>
-        <p:txBody>
-          <a:bodyPr/>
-          <a:lstStyle/>
-          <a:p>
-            <a:endParaRPr lang="de-DE"/>
-          </a:p>
-        </p:txBody>
-      </p:sp>
-      <p:sp>
-        <p:nvSpPr>
-          <p:cNvPr id="3" name="Title 2">
-            <a:extLst>
-              <a:ext uri="{FF2B5EF4-FFF2-40B4-BE49-F238E27FC236}">
-                <a16:creationId xmlns:a16="http://schemas.microsoft.com/office/drawing/2014/main" id="{F073E3C3-4FBE-4CBD-B58B-EFDEE7E6BEBD}"/>
-              </a:ext>
-            </a:extLst>
-          </p:cNvPr>
-          <p:cNvSpPr>
-            <a:spLocks noGrp="1"/>
-          </p:cNvSpPr>
-          <p:nvPr>
-            <p:ph type="title"/>
-          </p:nvPr>
-        </p:nvSpPr>
-        <p:spPr/>
-        <p:txBody>
-          <a:bodyPr/>
-          <a:lstStyle/>
-          <a:p>
-            <a:endParaRPr lang="de-DE"/>
-          </a:p>
-        </p:txBody>
-      </p:sp>
-    </p:spTree>
-    <p:extLst>
-      <p:ext uri="{BB962C8B-B14F-4D97-AF65-F5344CB8AC3E}">
-        <p14:creationId xmlns:p14="http://schemas.microsoft.com/office/powerpoint/2010/main" val="3496257857"/>
-      </p:ext>
-    </p:extLst>
-  </p:cSld>
-  <p:clrMapOvr>
-    <a:masterClrMapping/>
-  </p:clrMapOvr>
-</p:sld>
-</file>
-
-<file path=ppt/slides/slide6.xml><?xml version="1.0" encoding="utf-8"?>
-<p:sld xmlns:a="http://schemas.openxmlformats.org/drawingml/2006/main" xmlns:r="http://schemas.openxmlformats.org/officeDocument/2006/relationships" xmlns:p="http://schemas.openxmlformats.org/presentationml/2006/main">
-  <p:cSld>
-    <p:spTree>
-      <p:nvGrpSpPr>
-        <p:cNvPr id="1" name=""/>
-        <p:cNvGrpSpPr/>
-        <p:nvPr/>
-      </p:nvGrpSpPr>
-      <p:grpSpPr>
-        <a:xfrm>
-          <a:off x="0" y="0"/>
-          <a:ext cx="0" cy="0"/>
-          <a:chOff x="0" y="0"/>
-          <a:chExt cx="0" cy="0"/>
-        </a:xfrm>
-      </p:grpSpPr>
-      <p:sp>
-        <p:nvSpPr>
           <p:cNvPr id="2" name="Title 1"/>
           <p:cNvSpPr>
             <a:spLocks noGrp="1"/>
@@ -24675,7 +23073,7 @@
 </p:sld>
 </file>
 
-<file path=ppt/slides/slide7.xml><?xml version="1.0" encoding="utf-8"?>
+<file path=ppt/slides/slide6.xml><?xml version="1.0" encoding="utf-8"?>
 <p:sld xmlns:a="http://schemas.openxmlformats.org/drawingml/2006/main" xmlns:r="http://schemas.openxmlformats.org/officeDocument/2006/relationships" xmlns:p="http://schemas.openxmlformats.org/presentationml/2006/main">
   <p:cSld>
     <p:spTree>
@@ -24849,7 +23247,7 @@
 </p:sld>
 </file>
 
-<file path=ppt/slides/slide8.xml><?xml version="1.0" encoding="utf-8"?>
+<file path=ppt/slides/slide7.xml><?xml version="1.0" encoding="utf-8"?>
 <p:sld xmlns:a="http://schemas.openxmlformats.org/drawingml/2006/main" xmlns:r="http://schemas.openxmlformats.org/officeDocument/2006/relationships" xmlns:p="http://schemas.openxmlformats.org/presentationml/2006/main">
   <p:cSld>
     <p:spTree>
@@ -26840,7 +25238,7 @@
 </p:sld>
 </file>
 
-<file path=ppt/slides/slide9.xml><?xml version="1.0" encoding="utf-8"?>
+<file path=ppt/slides/slide8.xml><?xml version="1.0" encoding="utf-8"?>
 <p:sld xmlns:a="http://schemas.openxmlformats.org/drawingml/2006/main" xmlns:r="http://schemas.openxmlformats.org/officeDocument/2006/relationships" xmlns:p="http://schemas.openxmlformats.org/presentationml/2006/main">
   <p:cSld>
     <p:spTree>
@@ -28071,6 +26469,1024 @@
     <p:extLst>
       <p:ext uri="{BB962C8B-B14F-4D97-AF65-F5344CB8AC3E}">
         <p14:creationId xmlns:p14="http://schemas.microsoft.com/office/powerpoint/2010/main" val="134281230"/>
+      </p:ext>
+    </p:extLst>
+  </p:cSld>
+  <p:clrMapOvr>
+    <a:masterClrMapping/>
+  </p:clrMapOvr>
+</p:sld>
+</file>
+
+<file path=ppt/slides/slide9.xml><?xml version="1.0" encoding="utf-8"?>
+<p:sld xmlns:a="http://schemas.openxmlformats.org/drawingml/2006/main" xmlns:r="http://schemas.openxmlformats.org/officeDocument/2006/relationships" xmlns:p="http://schemas.openxmlformats.org/presentationml/2006/main">
+  <p:cSld>
+    <p:spTree>
+      <p:nvGrpSpPr>
+        <p:cNvPr id="1" name=""/>
+        <p:cNvGrpSpPr/>
+        <p:nvPr/>
+      </p:nvGrpSpPr>
+      <p:grpSpPr>
+        <a:xfrm>
+          <a:off x="0" y="0"/>
+          <a:ext cx="0" cy="0"/>
+          <a:chOff x="0" y="0"/>
+          <a:chExt cx="0" cy="0"/>
+        </a:xfrm>
+      </p:grpSpPr>
+      <p:sp>
+        <p:nvSpPr>
+          <p:cNvPr id="38" name="Rounded Rectangle 37"/>
+          <p:cNvSpPr/>
+          <p:nvPr/>
+        </p:nvSpPr>
+        <p:spPr bwMode="auto">
+          <a:xfrm>
+            <a:off x="1142999" y="2286000"/>
+            <a:ext cx="1748414" cy="2796373"/>
+          </a:xfrm>
+          <a:prstGeom prst="roundRect">
+            <a:avLst>
+              <a:gd name="adj" fmla="val 12442"/>
+            </a:avLst>
+          </a:prstGeom>
+          <a:solidFill>
+            <a:schemeClr val="bg1"/>
+          </a:solidFill>
+          <a:ln w="57150">
+            <a:solidFill>
+              <a:schemeClr val="accent2"/>
+            </a:solidFill>
+            <a:headEnd type="none" w="med" len="med"/>
+            <a:tailEnd type="none" w="med" len="med"/>
+          </a:ln>
+          <a:effectLst/>
+        </p:spPr>
+        <p:style>
+          <a:lnRef idx="1">
+            <a:schemeClr val="accent2"/>
+          </a:lnRef>
+          <a:fillRef idx="3">
+            <a:schemeClr val="accent2"/>
+          </a:fillRef>
+          <a:effectRef idx="2">
+            <a:schemeClr val="accent2"/>
+          </a:effectRef>
+          <a:fontRef idx="minor">
+            <a:schemeClr val="lt1"/>
+          </a:fontRef>
+        </p:style>
+        <p:txBody>
+          <a:bodyPr vert="horz" wrap="square" lIns="68577" tIns="34289" rIns="68577" bIns="34289" numCol="1" rtlCol="0" anchor="t" anchorCtr="0" compatLnSpc="1">
+            <a:prstTxWarp prst="textNoShape">
+              <a:avLst/>
+            </a:prstTxWarp>
+          </a:bodyPr>
+          <a:lstStyle/>
+          <a:p>
+            <a:pPr algn="ctr" defTabSz="685574"/>
+            <a:r>
+              <a:rPr lang="en-US" dirty="0">
+                <a:solidFill>
+                  <a:schemeClr val="accent2"/>
+                </a:solidFill>
+                <a:latin typeface="Segoe UI Light" panose="020B0502040204020203" pitchFamily="34" charset="0"/>
+                <a:cs typeface="Segoe UI Light" panose="020B0502040204020203" pitchFamily="34" charset="0"/>
+              </a:rPr>
+              <a:t>Accounts</a:t>
+            </a:r>
+          </a:p>
+        </p:txBody>
+      </p:sp>
+      <p:sp>
+        <p:nvSpPr>
+          <p:cNvPr id="37" name="Rounded Rectangle 36"/>
+          <p:cNvSpPr/>
+          <p:nvPr/>
+        </p:nvSpPr>
+        <p:spPr bwMode="auto">
+          <a:xfrm>
+            <a:off x="3619078" y="2286000"/>
+            <a:ext cx="1748414" cy="2796373"/>
+          </a:xfrm>
+          <a:prstGeom prst="roundRect">
+            <a:avLst>
+              <a:gd name="adj" fmla="val 12442"/>
+            </a:avLst>
+          </a:prstGeom>
+          <a:solidFill>
+            <a:schemeClr val="bg1"/>
+          </a:solidFill>
+          <a:ln w="57150">
+            <a:solidFill>
+              <a:schemeClr val="accent2"/>
+            </a:solidFill>
+            <a:headEnd type="none" w="med" len="med"/>
+            <a:tailEnd type="none" w="med" len="med"/>
+          </a:ln>
+          <a:effectLst/>
+        </p:spPr>
+        <p:style>
+          <a:lnRef idx="1">
+            <a:schemeClr val="accent2"/>
+          </a:lnRef>
+          <a:fillRef idx="3">
+            <a:schemeClr val="accent2"/>
+          </a:fillRef>
+          <a:effectRef idx="2">
+            <a:schemeClr val="accent2"/>
+          </a:effectRef>
+          <a:fontRef idx="minor">
+            <a:schemeClr val="lt1"/>
+          </a:fontRef>
+        </p:style>
+        <p:txBody>
+          <a:bodyPr vert="horz" wrap="square" lIns="68577" tIns="34289" rIns="68577" bIns="34289" numCol="1" rtlCol="0" anchor="t" anchorCtr="0" compatLnSpc="1">
+            <a:prstTxWarp prst="textNoShape">
+              <a:avLst/>
+            </a:prstTxWarp>
+          </a:bodyPr>
+          <a:lstStyle/>
+          <a:p>
+            <a:pPr algn="ctr" defTabSz="685574"/>
+            <a:r>
+              <a:rPr lang="en-US" dirty="0">
+                <a:solidFill>
+                  <a:schemeClr val="accent2"/>
+                </a:solidFill>
+                <a:latin typeface="Segoe UI Light" panose="020B0502040204020203" pitchFamily="34" charset="0"/>
+                <a:cs typeface="Segoe UI Light" panose="020B0502040204020203" pitchFamily="34" charset="0"/>
+              </a:rPr>
+              <a:t>Containers</a:t>
+            </a:r>
+          </a:p>
+        </p:txBody>
+      </p:sp>
+      <p:sp>
+        <p:nvSpPr>
+          <p:cNvPr id="2" name="Title 1"/>
+          <p:cNvSpPr>
+            <a:spLocks noGrp="1"/>
+          </p:cNvSpPr>
+          <p:nvPr>
+            <p:ph type="title"/>
+          </p:nvPr>
+        </p:nvSpPr>
+        <p:spPr/>
+        <p:txBody>
+          <a:bodyPr/>
+          <a:lstStyle/>
+          <a:p>
+            <a:r>
+              <a:rPr lang="en-US" dirty="0"/>
+              <a:t>Blob URLs</a:t>
+            </a:r>
+          </a:p>
+        </p:txBody>
+      </p:sp>
+      <p:sp>
+        <p:nvSpPr>
+          <p:cNvPr id="6" name="Rounded Rectangle 5"/>
+          <p:cNvSpPr/>
+          <p:nvPr/>
+        </p:nvSpPr>
+        <p:spPr bwMode="auto">
+          <a:xfrm>
+            <a:off x="6096000" y="2286000"/>
+            <a:ext cx="1748414" cy="2796373"/>
+          </a:xfrm>
+          <a:prstGeom prst="roundRect">
+            <a:avLst>
+              <a:gd name="adj" fmla="val 12442"/>
+            </a:avLst>
+          </a:prstGeom>
+          <a:solidFill>
+            <a:schemeClr val="bg1"/>
+          </a:solidFill>
+          <a:ln w="57150">
+            <a:solidFill>
+              <a:schemeClr val="accent2"/>
+            </a:solidFill>
+            <a:headEnd type="none" w="med" len="med"/>
+            <a:tailEnd type="none" w="med" len="med"/>
+          </a:ln>
+          <a:effectLst/>
+        </p:spPr>
+        <p:style>
+          <a:lnRef idx="1">
+            <a:schemeClr val="accent2"/>
+          </a:lnRef>
+          <a:fillRef idx="3">
+            <a:schemeClr val="accent2"/>
+          </a:fillRef>
+          <a:effectRef idx="2">
+            <a:schemeClr val="accent2"/>
+          </a:effectRef>
+          <a:fontRef idx="minor">
+            <a:schemeClr val="lt1"/>
+          </a:fontRef>
+        </p:style>
+        <p:txBody>
+          <a:bodyPr vert="horz" wrap="square" lIns="68577" tIns="34289" rIns="68577" bIns="34289" numCol="1" rtlCol="0" anchor="t" anchorCtr="0" compatLnSpc="1">
+            <a:prstTxWarp prst="textNoShape">
+              <a:avLst/>
+            </a:prstTxWarp>
+          </a:bodyPr>
+          <a:lstStyle/>
+          <a:p>
+            <a:pPr algn="ctr" defTabSz="685574"/>
+            <a:r>
+              <a:rPr lang="en-US" dirty="0">
+                <a:solidFill>
+                  <a:schemeClr val="accent2"/>
+                </a:solidFill>
+                <a:latin typeface="Segoe UI Light" panose="020B0502040204020203" pitchFamily="34" charset="0"/>
+                <a:cs typeface="Segoe UI Light" panose="020B0502040204020203" pitchFamily="34" charset="0"/>
+              </a:rPr>
+              <a:t>Blobs</a:t>
+            </a:r>
+          </a:p>
+        </p:txBody>
+      </p:sp>
+      <p:sp>
+        <p:nvSpPr>
+          <p:cNvPr id="7" name="Rounded Rectangle 6"/>
+          <p:cNvSpPr/>
+          <p:nvPr/>
+        </p:nvSpPr>
+        <p:spPr bwMode="auto">
+          <a:xfrm>
+            <a:off x="1322612" y="3597153"/>
+            <a:ext cx="1390650" cy="600075"/>
+          </a:xfrm>
+          <a:prstGeom prst="roundRect">
+            <a:avLst/>
+          </a:prstGeom>
+          <a:solidFill>
+            <a:schemeClr val="accent1"/>
+          </a:solidFill>
+          <a:ln>
+            <a:noFill/>
+            <a:headEnd type="none" w="med" len="med"/>
+            <a:tailEnd type="none" w="med" len="med"/>
+          </a:ln>
+          <a:effectLst/>
+        </p:spPr>
+        <p:style>
+          <a:lnRef idx="1">
+            <a:schemeClr val="accent2"/>
+          </a:lnRef>
+          <a:fillRef idx="3">
+            <a:schemeClr val="accent2"/>
+          </a:fillRef>
+          <a:effectRef idx="2">
+            <a:schemeClr val="accent2"/>
+          </a:effectRef>
+          <a:fontRef idx="minor">
+            <a:schemeClr val="lt1"/>
+          </a:fontRef>
+        </p:style>
+        <p:txBody>
+          <a:bodyPr vert="horz" wrap="square" lIns="68577" tIns="34289" rIns="68577" bIns="34289" numCol="1" rtlCol="0" anchor="ctr" anchorCtr="0" compatLnSpc="1">
+            <a:prstTxWarp prst="textNoShape">
+              <a:avLst/>
+            </a:prstTxWarp>
+          </a:bodyPr>
+          <a:lstStyle/>
+          <a:p>
+            <a:pPr algn="ctr" defTabSz="685574"/>
+            <a:r>
+              <a:rPr lang="en-US" sz="1650" dirty="0">
+                <a:solidFill>
+                  <a:schemeClr val="bg1"/>
+                </a:solidFill>
+                <a:latin typeface="Segoe UI Light" panose="020B0502040204020203" pitchFamily="34" charset="0"/>
+                <a:cs typeface="Segoe UI Light" panose="020B0502040204020203" pitchFamily="34" charset="0"/>
+              </a:rPr>
+              <a:t>a4rlabs</a:t>
+            </a:r>
+          </a:p>
+        </p:txBody>
+      </p:sp>
+      <p:sp>
+        <p:nvSpPr>
+          <p:cNvPr id="8" name="Rounded Rectangle 7"/>
+          <p:cNvSpPr/>
+          <p:nvPr/>
+        </p:nvSpPr>
+        <p:spPr bwMode="auto">
+          <a:xfrm>
+            <a:off x="3799112" y="2892405"/>
+            <a:ext cx="1390650" cy="600075"/>
+          </a:xfrm>
+          <a:prstGeom prst="roundRect">
+            <a:avLst/>
+          </a:prstGeom>
+          <a:solidFill>
+            <a:schemeClr val="accent2"/>
+          </a:solidFill>
+          <a:ln>
+            <a:noFill/>
+            <a:headEnd type="none" w="med" len="med"/>
+            <a:tailEnd type="none" w="med" len="med"/>
+          </a:ln>
+          <a:effectLst/>
+        </p:spPr>
+        <p:style>
+          <a:lnRef idx="1">
+            <a:schemeClr val="accent2"/>
+          </a:lnRef>
+          <a:fillRef idx="3">
+            <a:schemeClr val="accent2"/>
+          </a:fillRef>
+          <a:effectRef idx="2">
+            <a:schemeClr val="accent2"/>
+          </a:effectRef>
+          <a:fontRef idx="minor">
+            <a:schemeClr val="lt1"/>
+          </a:fontRef>
+        </p:style>
+        <p:txBody>
+          <a:bodyPr vert="horz" wrap="square" lIns="68577" tIns="34289" rIns="68577" bIns="34289" numCol="1" rtlCol="0" anchor="ctr" anchorCtr="0" compatLnSpc="1">
+            <a:prstTxWarp prst="textNoShape">
+              <a:avLst/>
+            </a:prstTxWarp>
+          </a:bodyPr>
+          <a:lstStyle/>
+          <a:p>
+            <a:pPr algn="ctr" defTabSz="685574"/>
+            <a:r>
+              <a:rPr lang="en-US" sz="1650" dirty="0">
+                <a:solidFill>
+                  <a:schemeClr val="bg1"/>
+                </a:solidFill>
+                <a:latin typeface="Segoe UI Light" panose="020B0502040204020203" pitchFamily="34" charset="0"/>
+                <a:cs typeface="Segoe UI Light" panose="020B0502040204020203" pitchFamily="34" charset="0"/>
+              </a:rPr>
+              <a:t>images</a:t>
+            </a:r>
+          </a:p>
+        </p:txBody>
+      </p:sp>
+      <p:sp>
+        <p:nvSpPr>
+          <p:cNvPr id="9" name="Rounded Rectangle 8"/>
+          <p:cNvSpPr/>
+          <p:nvPr/>
+        </p:nvSpPr>
+        <p:spPr bwMode="auto">
+          <a:xfrm>
+            <a:off x="3799112" y="4301901"/>
+            <a:ext cx="1390650" cy="600075"/>
+          </a:xfrm>
+          <a:prstGeom prst="roundRect">
+            <a:avLst/>
+          </a:prstGeom>
+          <a:solidFill>
+            <a:srgbClr val="CC99FF"/>
+          </a:solidFill>
+          <a:ln>
+            <a:noFill/>
+            <a:headEnd type="none" w="med" len="med"/>
+            <a:tailEnd type="none" w="med" len="med"/>
+          </a:ln>
+          <a:effectLst/>
+        </p:spPr>
+        <p:style>
+          <a:lnRef idx="1">
+            <a:schemeClr val="accent2"/>
+          </a:lnRef>
+          <a:fillRef idx="3">
+            <a:schemeClr val="accent2"/>
+          </a:fillRef>
+          <a:effectRef idx="2">
+            <a:schemeClr val="accent2"/>
+          </a:effectRef>
+          <a:fontRef idx="minor">
+            <a:schemeClr val="lt1"/>
+          </a:fontRef>
+        </p:style>
+        <p:txBody>
+          <a:bodyPr vert="horz" wrap="square" lIns="68577" tIns="34289" rIns="68577" bIns="34289" numCol="1" rtlCol="0" anchor="ctr" anchorCtr="0" compatLnSpc="1">
+            <a:prstTxWarp prst="textNoShape">
+              <a:avLst/>
+            </a:prstTxWarp>
+          </a:bodyPr>
+          <a:lstStyle/>
+          <a:p>
+            <a:pPr algn="ctr" defTabSz="685574"/>
+            <a:r>
+              <a:rPr lang="en-US" sz="1650" dirty="0">
+                <a:solidFill>
+                  <a:schemeClr val="bg1"/>
+                </a:solidFill>
+                <a:latin typeface="Segoe UI Light" panose="020B0502040204020203" pitchFamily="34" charset="0"/>
+                <a:cs typeface="Segoe UI Light" panose="020B0502040204020203" pitchFamily="34" charset="0"/>
+              </a:rPr>
+              <a:t>documents</a:t>
+            </a:r>
+          </a:p>
+        </p:txBody>
+      </p:sp>
+      <p:sp>
+        <p:nvSpPr>
+          <p:cNvPr id="14" name="Rounded Rectangle 13"/>
+          <p:cNvSpPr/>
+          <p:nvPr/>
+        </p:nvSpPr>
+        <p:spPr bwMode="auto">
+          <a:xfrm>
+            <a:off x="6275612" y="2892405"/>
+            <a:ext cx="1390650" cy="600075"/>
+          </a:xfrm>
+          <a:prstGeom prst="roundRect">
+            <a:avLst/>
+          </a:prstGeom>
+          <a:solidFill>
+            <a:schemeClr val="accent4"/>
+          </a:solidFill>
+          <a:ln>
+            <a:noFill/>
+            <a:headEnd type="none" w="med" len="med"/>
+            <a:tailEnd type="none" w="med" len="med"/>
+          </a:ln>
+          <a:effectLst/>
+        </p:spPr>
+        <p:style>
+          <a:lnRef idx="1">
+            <a:schemeClr val="accent2"/>
+          </a:lnRef>
+          <a:fillRef idx="3">
+            <a:schemeClr val="accent2"/>
+          </a:fillRef>
+          <a:effectRef idx="2">
+            <a:schemeClr val="accent2"/>
+          </a:effectRef>
+          <a:fontRef idx="minor">
+            <a:schemeClr val="lt1"/>
+          </a:fontRef>
+        </p:style>
+        <p:txBody>
+          <a:bodyPr vert="horz" wrap="square" lIns="68577" tIns="34289" rIns="68577" bIns="34289" numCol="1" rtlCol="0" anchor="ctr" anchorCtr="0" compatLnSpc="1">
+            <a:prstTxWarp prst="textNoShape">
+              <a:avLst/>
+            </a:prstTxWarp>
+          </a:bodyPr>
+          <a:lstStyle/>
+          <a:p>
+            <a:pPr algn="ctr" defTabSz="685574"/>
+            <a:r>
+              <a:rPr lang="en-US" sz="1650" dirty="0">
+                <a:solidFill>
+                  <a:schemeClr val="bg1"/>
+                </a:solidFill>
+                <a:latin typeface="Segoe UI Light" panose="020B0502040204020203" pitchFamily="34" charset="0"/>
+                <a:cs typeface="Segoe UI Light" panose="020B0502040204020203" pitchFamily="34" charset="0"/>
+              </a:rPr>
+              <a:t>schema.jpg</a:t>
+            </a:r>
+          </a:p>
+        </p:txBody>
+      </p:sp>
+      <p:sp>
+        <p:nvSpPr>
+          <p:cNvPr id="15" name="Rounded Rectangle 14"/>
+          <p:cNvSpPr/>
+          <p:nvPr/>
+        </p:nvSpPr>
+        <p:spPr bwMode="auto">
+          <a:xfrm>
+            <a:off x="6275612" y="4301901"/>
+            <a:ext cx="1390650" cy="600075"/>
+          </a:xfrm>
+          <a:prstGeom prst="roundRect">
+            <a:avLst/>
+          </a:prstGeom>
+          <a:solidFill>
+            <a:srgbClr val="CC99FF"/>
+          </a:solidFill>
+          <a:ln>
+            <a:noFill/>
+            <a:headEnd type="none" w="med" len="med"/>
+            <a:tailEnd type="none" w="med" len="med"/>
+          </a:ln>
+          <a:effectLst/>
+        </p:spPr>
+        <p:style>
+          <a:lnRef idx="1">
+            <a:schemeClr val="accent2"/>
+          </a:lnRef>
+          <a:fillRef idx="3">
+            <a:schemeClr val="accent2"/>
+          </a:fillRef>
+          <a:effectRef idx="2">
+            <a:schemeClr val="accent2"/>
+          </a:effectRef>
+          <a:fontRef idx="minor">
+            <a:schemeClr val="lt1"/>
+          </a:fontRef>
+        </p:style>
+        <p:txBody>
+          <a:bodyPr vert="horz" wrap="square" lIns="68577" tIns="34289" rIns="68577" bIns="34289" numCol="1" rtlCol="0" anchor="ctr" anchorCtr="0" compatLnSpc="1">
+            <a:prstTxWarp prst="textNoShape">
+              <a:avLst/>
+            </a:prstTxWarp>
+          </a:bodyPr>
+          <a:lstStyle/>
+          <a:p>
+            <a:pPr algn="ctr" defTabSz="685574"/>
+            <a:r>
+              <a:rPr lang="en-US" sz="1650" dirty="0">
+                <a:solidFill>
+                  <a:schemeClr val="bg1"/>
+                </a:solidFill>
+                <a:latin typeface="Segoe UI Light" panose="020B0502040204020203" pitchFamily="34" charset="0"/>
+                <a:cs typeface="Segoe UI Light" panose="020B0502040204020203" pitchFamily="34" charset="0"/>
+              </a:rPr>
+              <a:t>Labs.pdf</a:t>
+            </a:r>
+          </a:p>
+        </p:txBody>
+      </p:sp>
+      <p:sp>
+        <p:nvSpPr>
+          <p:cNvPr id="16" name="Rounded Rectangle 15"/>
+          <p:cNvSpPr/>
+          <p:nvPr/>
+        </p:nvSpPr>
+        <p:spPr bwMode="auto">
+          <a:xfrm>
+            <a:off x="6275612" y="3597153"/>
+            <a:ext cx="1390650" cy="600075"/>
+          </a:xfrm>
+          <a:prstGeom prst="roundRect">
+            <a:avLst/>
+          </a:prstGeom>
+          <a:solidFill>
+            <a:srgbClr val="CC99FF"/>
+          </a:solidFill>
+          <a:ln>
+            <a:noFill/>
+            <a:headEnd type="none" w="med" len="med"/>
+            <a:tailEnd type="none" w="med" len="med"/>
+          </a:ln>
+          <a:effectLst/>
+        </p:spPr>
+        <p:style>
+          <a:lnRef idx="1">
+            <a:schemeClr val="accent2"/>
+          </a:lnRef>
+          <a:fillRef idx="3">
+            <a:schemeClr val="accent2"/>
+          </a:fillRef>
+          <a:effectRef idx="2">
+            <a:schemeClr val="accent2"/>
+          </a:effectRef>
+          <a:fontRef idx="minor">
+            <a:schemeClr val="lt1"/>
+          </a:fontRef>
+        </p:style>
+        <p:txBody>
+          <a:bodyPr vert="horz" wrap="square" lIns="68577" tIns="34289" rIns="68577" bIns="34289" numCol="1" rtlCol="0" anchor="ctr" anchorCtr="0" compatLnSpc="1">
+            <a:prstTxWarp prst="textNoShape">
+              <a:avLst/>
+            </a:prstTxWarp>
+          </a:bodyPr>
+          <a:lstStyle/>
+          <a:p>
+            <a:pPr algn="ctr" defTabSz="685574"/>
+            <a:r>
+              <a:rPr lang="en-US" sz="1650" dirty="0" err="1">
+                <a:solidFill>
+                  <a:schemeClr val="bg1"/>
+                </a:solidFill>
+                <a:latin typeface="Segoe UI Light" panose="020B0502040204020203" pitchFamily="34" charset="0"/>
+                <a:cs typeface="Segoe UI Light" panose="020B0502040204020203" pitchFamily="34" charset="0"/>
+              </a:rPr>
+              <a:t>Png</a:t>
+            </a:r>
+            <a:r>
+              <a:rPr lang="en-US" sz="1650" dirty="0">
+                <a:solidFill>
+                  <a:schemeClr val="bg1"/>
+                </a:solidFill>
+                <a:latin typeface="Segoe UI Light" panose="020B0502040204020203" pitchFamily="34" charset="0"/>
+                <a:cs typeface="Segoe UI Light" panose="020B0502040204020203" pitchFamily="34" charset="0"/>
+              </a:rPr>
+              <a:t>/flow.png</a:t>
+            </a:r>
+          </a:p>
+        </p:txBody>
+      </p:sp>
+      <p:cxnSp>
+        <p:nvCxnSpPr>
+          <p:cNvPr id="18" name="Straight Connector 17"/>
+          <p:cNvCxnSpPr/>
+          <p:nvPr/>
+        </p:nvCxnSpPr>
+        <p:spPr>
+          <a:xfrm>
+            <a:off x="2713262" y="3889654"/>
+            <a:ext cx="542505" cy="0"/>
+          </a:xfrm>
+          <a:prstGeom prst="line">
+            <a:avLst/>
+          </a:prstGeom>
+          <a:ln>
+            <a:solidFill>
+              <a:srgbClr val="CCCCFF"/>
+            </a:solidFill>
+          </a:ln>
+        </p:spPr>
+        <p:style>
+          <a:lnRef idx="3">
+            <a:schemeClr val="accent1"/>
+          </a:lnRef>
+          <a:fillRef idx="0">
+            <a:schemeClr val="accent1"/>
+          </a:fillRef>
+          <a:effectRef idx="2">
+            <a:schemeClr val="accent1"/>
+          </a:effectRef>
+          <a:fontRef idx="minor">
+            <a:schemeClr val="tx1"/>
+          </a:fontRef>
+        </p:style>
+      </p:cxnSp>
+      <p:cxnSp>
+        <p:nvCxnSpPr>
+          <p:cNvPr id="19" name="Straight Connector 18"/>
+          <p:cNvCxnSpPr/>
+          <p:nvPr/>
+        </p:nvCxnSpPr>
+        <p:spPr>
+          <a:xfrm flipV="1">
+            <a:off x="3255768" y="3184070"/>
+            <a:ext cx="543345" cy="8373"/>
+          </a:xfrm>
+          <a:prstGeom prst="line">
+            <a:avLst/>
+          </a:prstGeom>
+          <a:ln>
+            <a:solidFill>
+              <a:srgbClr val="CCCCFF"/>
+            </a:solidFill>
+          </a:ln>
+        </p:spPr>
+        <p:style>
+          <a:lnRef idx="3">
+            <a:schemeClr val="accent1"/>
+          </a:lnRef>
+          <a:fillRef idx="0">
+            <a:schemeClr val="accent1"/>
+          </a:fillRef>
+          <a:effectRef idx="2">
+            <a:schemeClr val="accent1"/>
+          </a:effectRef>
+          <a:fontRef idx="minor">
+            <a:schemeClr val="tx1"/>
+          </a:fontRef>
+        </p:style>
+      </p:cxnSp>
+      <p:cxnSp>
+        <p:nvCxnSpPr>
+          <p:cNvPr id="20" name="Straight Connector 19"/>
+          <p:cNvCxnSpPr/>
+          <p:nvPr/>
+        </p:nvCxnSpPr>
+        <p:spPr>
+          <a:xfrm>
+            <a:off x="3255768" y="4586817"/>
+            <a:ext cx="543346" cy="5650"/>
+          </a:xfrm>
+          <a:prstGeom prst="line">
+            <a:avLst/>
+          </a:prstGeom>
+          <a:ln>
+            <a:solidFill>
+              <a:srgbClr val="CCCCFF"/>
+            </a:solidFill>
+          </a:ln>
+        </p:spPr>
+        <p:style>
+          <a:lnRef idx="3">
+            <a:schemeClr val="accent1"/>
+          </a:lnRef>
+          <a:fillRef idx="0">
+            <a:schemeClr val="accent1"/>
+          </a:fillRef>
+          <a:effectRef idx="2">
+            <a:schemeClr val="accent1"/>
+          </a:effectRef>
+          <a:fontRef idx="minor">
+            <a:schemeClr val="tx1"/>
+          </a:fontRef>
+        </p:style>
+      </p:cxnSp>
+      <p:cxnSp>
+        <p:nvCxnSpPr>
+          <p:cNvPr id="22" name="Straight Connector 21"/>
+          <p:cNvCxnSpPr/>
+          <p:nvPr/>
+        </p:nvCxnSpPr>
+        <p:spPr>
+          <a:xfrm>
+            <a:off x="3255768" y="3192442"/>
+            <a:ext cx="0" cy="1408397"/>
+          </a:xfrm>
+          <a:prstGeom prst="line">
+            <a:avLst/>
+          </a:prstGeom>
+          <a:ln>
+            <a:solidFill>
+              <a:srgbClr val="CCCCFF"/>
+            </a:solidFill>
+          </a:ln>
+        </p:spPr>
+        <p:style>
+          <a:lnRef idx="3">
+            <a:schemeClr val="accent1"/>
+          </a:lnRef>
+          <a:fillRef idx="0">
+            <a:schemeClr val="accent1"/>
+          </a:fillRef>
+          <a:effectRef idx="2">
+            <a:schemeClr val="accent1"/>
+          </a:effectRef>
+          <a:fontRef idx="minor">
+            <a:schemeClr val="tx1"/>
+          </a:fontRef>
+        </p:style>
+      </p:cxnSp>
+      <p:cxnSp>
+        <p:nvCxnSpPr>
+          <p:cNvPr id="23" name="Straight Connector 22"/>
+          <p:cNvCxnSpPr/>
+          <p:nvPr/>
+        </p:nvCxnSpPr>
+        <p:spPr>
+          <a:xfrm flipV="1">
+            <a:off x="5189762" y="3184070"/>
+            <a:ext cx="1085850" cy="8373"/>
+          </a:xfrm>
+          <a:prstGeom prst="line">
+            <a:avLst/>
+          </a:prstGeom>
+          <a:ln>
+            <a:solidFill>
+              <a:srgbClr val="CCCCFF"/>
+            </a:solidFill>
+          </a:ln>
+        </p:spPr>
+        <p:style>
+          <a:lnRef idx="3">
+            <a:schemeClr val="accent1"/>
+          </a:lnRef>
+          <a:fillRef idx="0">
+            <a:schemeClr val="accent1"/>
+          </a:fillRef>
+          <a:effectRef idx="2">
+            <a:schemeClr val="accent1"/>
+          </a:effectRef>
+          <a:fontRef idx="minor">
+            <a:schemeClr val="tx1"/>
+          </a:fontRef>
+        </p:style>
+      </p:cxnSp>
+      <p:cxnSp>
+        <p:nvCxnSpPr>
+          <p:cNvPr id="24" name="Straight Connector 23"/>
+          <p:cNvCxnSpPr/>
+          <p:nvPr/>
+        </p:nvCxnSpPr>
+        <p:spPr>
+          <a:xfrm>
+            <a:off x="5189762" y="4586816"/>
+            <a:ext cx="1085850" cy="0"/>
+          </a:xfrm>
+          <a:prstGeom prst="line">
+            <a:avLst/>
+          </a:prstGeom>
+          <a:ln>
+            <a:solidFill>
+              <a:srgbClr val="CCCCFF"/>
+            </a:solidFill>
+          </a:ln>
+        </p:spPr>
+        <p:style>
+          <a:lnRef idx="3">
+            <a:schemeClr val="accent1"/>
+          </a:lnRef>
+          <a:fillRef idx="0">
+            <a:schemeClr val="accent1"/>
+          </a:fillRef>
+          <a:effectRef idx="2">
+            <a:schemeClr val="accent1"/>
+          </a:effectRef>
+          <a:fontRef idx="minor">
+            <a:schemeClr val="tx1"/>
+          </a:fontRef>
+        </p:style>
+      </p:cxnSp>
+      <p:cxnSp>
+        <p:nvCxnSpPr>
+          <p:cNvPr id="25" name="Straight Connector 24"/>
+          <p:cNvCxnSpPr/>
+          <p:nvPr/>
+        </p:nvCxnSpPr>
+        <p:spPr>
+          <a:xfrm>
+            <a:off x="5732267" y="3192442"/>
+            <a:ext cx="0" cy="689075"/>
+          </a:xfrm>
+          <a:prstGeom prst="line">
+            <a:avLst/>
+          </a:prstGeom>
+          <a:ln>
+            <a:solidFill>
+              <a:srgbClr val="CCCCFF"/>
+            </a:solidFill>
+          </a:ln>
+        </p:spPr>
+        <p:style>
+          <a:lnRef idx="3">
+            <a:schemeClr val="accent1"/>
+          </a:lnRef>
+          <a:fillRef idx="0">
+            <a:schemeClr val="accent1"/>
+          </a:fillRef>
+          <a:effectRef idx="2">
+            <a:schemeClr val="accent1"/>
+          </a:effectRef>
+          <a:fontRef idx="minor">
+            <a:schemeClr val="tx1"/>
+          </a:fontRef>
+        </p:style>
+      </p:cxnSp>
+      <p:cxnSp>
+        <p:nvCxnSpPr>
+          <p:cNvPr id="26" name="Straight Connector 25"/>
+          <p:cNvCxnSpPr/>
+          <p:nvPr/>
+        </p:nvCxnSpPr>
+        <p:spPr>
+          <a:xfrm>
+            <a:off x="5732267" y="3881518"/>
+            <a:ext cx="543346" cy="551"/>
+          </a:xfrm>
+          <a:prstGeom prst="line">
+            <a:avLst/>
+          </a:prstGeom>
+          <a:ln>
+            <a:solidFill>
+              <a:srgbClr val="CCCCFF"/>
+            </a:solidFill>
+          </a:ln>
+        </p:spPr>
+        <p:style>
+          <a:lnRef idx="3">
+            <a:schemeClr val="accent1"/>
+          </a:lnRef>
+          <a:fillRef idx="0">
+            <a:schemeClr val="accent1"/>
+          </a:fillRef>
+          <a:effectRef idx="2">
+            <a:schemeClr val="accent1"/>
+          </a:effectRef>
+          <a:fontRef idx="minor">
+            <a:schemeClr val="tx1"/>
+          </a:fontRef>
+        </p:style>
+      </p:cxnSp>
+      <p:sp>
+        <p:nvSpPr>
+          <p:cNvPr id="3" name="TextBox 2"/>
+          <p:cNvSpPr txBox="1"/>
+          <p:nvPr/>
+        </p:nvSpPr>
+        <p:spPr>
+          <a:xfrm>
+            <a:off x="266344" y="5474259"/>
+            <a:ext cx="8363938" cy="332399"/>
+          </a:xfrm>
+          <a:prstGeom prst="rect">
+            <a:avLst/>
+          </a:prstGeom>
+          <a:noFill/>
+        </p:spPr>
+        <p:txBody>
+          <a:bodyPr wrap="square" lIns="0" tIns="0" rIns="0" bIns="0" rtlCol="0">
+            <a:spAutoFit/>
+          </a:bodyPr>
+          <a:lstStyle/>
+          <a:p>
+            <a:pPr algn="ctr">
+              <a:lnSpc>
+                <a:spcPct val="90000"/>
+              </a:lnSpc>
+              <a:spcBef>
+                <a:spcPct val="20000"/>
+              </a:spcBef>
+              <a:buSzPct val="80000"/>
+            </a:pPr>
+            <a:r>
+              <a:rPr lang="en-US" dirty="0">
+                <a:gradFill>
+                  <a:gsLst>
+                    <a:gs pos="0">
+                      <a:srgbClr val="292929">
+                        <a:lumMod val="90000"/>
+                        <a:lumOff val="10000"/>
+                      </a:srgbClr>
+                    </a:gs>
+                    <a:gs pos="86000">
+                      <a:srgbClr val="292929">
+                        <a:lumMod val="90000"/>
+                        <a:lumOff val="10000"/>
+                      </a:srgbClr>
+                    </a:gs>
+                  </a:gsLst>
+                  <a:lin ang="5400000" scaled="0"/>
+                </a:gradFill>
+              </a:rPr>
+              <a:t>https://</a:t>
+            </a:r>
+            <a:r>
+              <a:rPr lang="en-US" dirty="0">
+                <a:solidFill>
+                  <a:schemeClr val="accent1"/>
+                </a:solidFill>
+              </a:rPr>
+              <a:t>a4rlabs</a:t>
+            </a:r>
+            <a:r>
+              <a:rPr lang="en-US" dirty="0">
+                <a:gradFill>
+                  <a:gsLst>
+                    <a:gs pos="0">
+                      <a:srgbClr val="292929">
+                        <a:lumMod val="90000"/>
+                        <a:lumOff val="10000"/>
+                      </a:srgbClr>
+                    </a:gs>
+                    <a:gs pos="86000">
+                      <a:srgbClr val="292929">
+                        <a:lumMod val="90000"/>
+                        <a:lumOff val="10000"/>
+                      </a:srgbClr>
+                    </a:gs>
+                  </a:gsLst>
+                  <a:lin ang="5400000" scaled="0"/>
+                </a:gradFill>
+              </a:rPr>
+              <a:t>.blob.core.windows.net/</a:t>
+            </a:r>
+            <a:r>
+              <a:rPr lang="en-US" dirty="0">
+                <a:solidFill>
+                  <a:schemeClr val="accent2"/>
+                </a:solidFill>
+              </a:rPr>
+              <a:t>images</a:t>
+            </a:r>
+            <a:r>
+              <a:rPr lang="en-US" dirty="0">
+                <a:gradFill>
+                  <a:gsLst>
+                    <a:gs pos="0">
+                      <a:srgbClr val="292929">
+                        <a:lumMod val="90000"/>
+                        <a:lumOff val="10000"/>
+                      </a:srgbClr>
+                    </a:gs>
+                    <a:gs pos="86000">
+                      <a:srgbClr val="292929">
+                        <a:lumMod val="90000"/>
+                        <a:lumOff val="10000"/>
+                      </a:srgbClr>
+                    </a:gs>
+                  </a:gsLst>
+                  <a:lin ang="5400000" scaled="0"/>
+                </a:gradFill>
+              </a:rPr>
+              <a:t>/</a:t>
+            </a:r>
+            <a:r>
+              <a:rPr lang="en-US" dirty="0">
+                <a:solidFill>
+                  <a:schemeClr val="accent4"/>
+                </a:solidFill>
+              </a:rPr>
+              <a:t>schema.jpg</a:t>
+            </a:r>
+          </a:p>
+        </p:txBody>
+      </p:sp>
+    </p:spTree>
+    <p:extLst>
+      <p:ext uri="{BB962C8B-B14F-4D97-AF65-F5344CB8AC3E}">
+        <p14:creationId xmlns:p14="http://schemas.microsoft.com/office/powerpoint/2010/main" val="1385975748"/>
       </p:ext>
     </p:extLst>
   </p:cSld>
